--- a/docs/proposal_ppt/proposal_presentation.pptx
+++ b/docs/proposal_ppt/proposal_presentation.pptx
@@ -4,6 +4,12 @@
   <p:sldMasterIdLst>
     <p:sldMasterId id="2147483648" r:id="rId1"/>
   </p:sldMasterIdLst>
+  <p:notesMasterIdLst>
+    <p:notesMasterId r:id="rId24"/>
+  </p:notesMasterIdLst>
+  <p:handoutMasterIdLst>
+    <p:handoutMasterId r:id="rId25"/>
+  </p:handoutMasterIdLst>
   <p:sldIdLst>
     <p:sldId id="256" r:id="rId2"/>
     <p:sldId id="257" r:id="rId3"/>
@@ -28,7 +34,7 @@
     <p:sldId id="276" r:id="rId22"/>
     <p:sldId id="277" r:id="rId23"/>
   </p:sldIdLst>
-  <p:sldSz cx="9144000" cy="6858000" type="screen4x3"/>
+  <p:sldSz cx="9144000" cy="5143500" type="screen16x9"/>
   <p:notesSz cx="6858000" cy="9144000"/>
   <p:defaultTextStyle>
     <a:defPPr>
@@ -196,6 +202,610 @@
 </p:presentation>
 </file>
 
+<file path=ppt/handoutMasters/handoutMaster1.xml><?xml version="1.0" encoding="utf-8"?>
+<p:handoutMaster xmlns:a="http://schemas.openxmlformats.org/drawingml/2006/main" xmlns:r="http://schemas.openxmlformats.org/officeDocument/2006/relationships" xmlns:p="http://schemas.openxmlformats.org/presentationml/2006/main">
+  <p:cSld>
+    <p:bg>
+      <p:bgRef idx="1001">
+        <a:schemeClr val="bg1"/>
+      </p:bgRef>
+    </p:bg>
+    <p:spTree>
+      <p:nvGrpSpPr>
+        <p:cNvPr id="1" name=""/>
+        <p:cNvGrpSpPr/>
+        <p:nvPr/>
+      </p:nvGrpSpPr>
+      <p:grpSpPr>
+        <a:xfrm>
+          <a:off x="0" y="0"/>
+          <a:ext cx="0" cy="0"/>
+          <a:chOff x="0" y="0"/>
+          <a:chExt cx="0" cy="0"/>
+        </a:xfrm>
+      </p:grpSpPr>
+      <p:sp>
+        <p:nvSpPr>
+          <p:cNvPr id="2" name="Tijdelijke aanduiding voor koptekst 1"/>
+          <p:cNvSpPr>
+            <a:spLocks noGrp="1"/>
+          </p:cNvSpPr>
+          <p:nvPr>
+            <p:ph type="hdr" sz="quarter"/>
+          </p:nvPr>
+        </p:nvSpPr>
+        <p:spPr>
+          <a:xfrm>
+            <a:off x="0" y="0"/>
+            <a:ext cx="2971800" cy="457200"/>
+          </a:xfrm>
+          <a:prstGeom prst="rect">
+            <a:avLst/>
+          </a:prstGeom>
+        </p:spPr>
+        <p:txBody>
+          <a:bodyPr vert="horz" lIns="91440" tIns="45720" rIns="91440" bIns="45720" rtlCol="0"/>
+          <a:lstStyle>
+            <a:lvl1pPr algn="l">
+              <a:defRPr sz="1200"/>
+            </a:lvl1pPr>
+          </a:lstStyle>
+          <a:p>
+            <a:endParaRPr lang="en-US"/>
+          </a:p>
+        </p:txBody>
+      </p:sp>
+      <p:sp>
+        <p:nvSpPr>
+          <p:cNvPr id="3" name="Tijdelijke aanduiding voor datum 2"/>
+          <p:cNvSpPr>
+            <a:spLocks noGrp="1"/>
+          </p:cNvSpPr>
+          <p:nvPr>
+            <p:ph type="dt" sz="quarter" idx="1"/>
+          </p:nvPr>
+        </p:nvSpPr>
+        <p:spPr>
+          <a:xfrm>
+            <a:off x="3884613" y="0"/>
+            <a:ext cx="2971800" cy="457200"/>
+          </a:xfrm>
+          <a:prstGeom prst="rect">
+            <a:avLst/>
+          </a:prstGeom>
+        </p:spPr>
+        <p:txBody>
+          <a:bodyPr vert="horz" lIns="91440" tIns="45720" rIns="91440" bIns="45720" rtlCol="0"/>
+          <a:lstStyle>
+            <a:lvl1pPr algn="r">
+              <a:defRPr sz="1200"/>
+            </a:lvl1pPr>
+          </a:lstStyle>
+          <a:p>
+            <a:fld id="{BBB6B2A6-28A1-4663-870F-2DFA1D20146C}" type="datetimeFigureOut">
+              <a:rPr lang="en-US" smtClean="0"/>
+              <a:t>1/31/2018</a:t>
+            </a:fld>
+            <a:endParaRPr lang="en-US"/>
+          </a:p>
+        </p:txBody>
+      </p:sp>
+      <p:sp>
+        <p:nvSpPr>
+          <p:cNvPr id="4" name="Tijdelijke aanduiding voor voettekst 3"/>
+          <p:cNvSpPr>
+            <a:spLocks noGrp="1"/>
+          </p:cNvSpPr>
+          <p:nvPr>
+            <p:ph type="ftr" sz="quarter" idx="2"/>
+          </p:nvPr>
+        </p:nvSpPr>
+        <p:spPr>
+          <a:xfrm>
+            <a:off x="0" y="8685213"/>
+            <a:ext cx="2971800" cy="457200"/>
+          </a:xfrm>
+          <a:prstGeom prst="rect">
+            <a:avLst/>
+          </a:prstGeom>
+        </p:spPr>
+        <p:txBody>
+          <a:bodyPr vert="horz" lIns="91440" tIns="45720" rIns="91440" bIns="45720" rtlCol="0" anchor="b"/>
+          <a:lstStyle>
+            <a:lvl1pPr algn="l">
+              <a:defRPr sz="1200"/>
+            </a:lvl1pPr>
+          </a:lstStyle>
+          <a:p>
+            <a:endParaRPr lang="en-US"/>
+          </a:p>
+        </p:txBody>
+      </p:sp>
+      <p:sp>
+        <p:nvSpPr>
+          <p:cNvPr id="5" name="Tijdelijke aanduiding voor dianummer 4"/>
+          <p:cNvSpPr>
+            <a:spLocks noGrp="1"/>
+          </p:cNvSpPr>
+          <p:nvPr>
+            <p:ph type="sldNum" sz="quarter" idx="3"/>
+          </p:nvPr>
+        </p:nvSpPr>
+        <p:spPr>
+          <a:xfrm>
+            <a:off x="3884613" y="8685213"/>
+            <a:ext cx="2971800" cy="457200"/>
+          </a:xfrm>
+          <a:prstGeom prst="rect">
+            <a:avLst/>
+          </a:prstGeom>
+        </p:spPr>
+        <p:txBody>
+          <a:bodyPr vert="horz" lIns="91440" tIns="45720" rIns="91440" bIns="45720" rtlCol="0" anchor="b"/>
+          <a:lstStyle>
+            <a:lvl1pPr algn="r">
+              <a:defRPr sz="1200"/>
+            </a:lvl1pPr>
+          </a:lstStyle>
+          <a:p>
+            <a:fld id="{6BF8839C-4598-455C-97AE-D39330D37F60}" type="slidenum">
+              <a:rPr lang="en-US" smtClean="0"/>
+              <a:t>‹nr.›</a:t>
+            </a:fld>
+            <a:endParaRPr lang="en-US"/>
+          </a:p>
+        </p:txBody>
+      </p:sp>
+    </p:spTree>
+    <p:extLst>
+      <p:ext uri="{BB962C8B-B14F-4D97-AF65-F5344CB8AC3E}">
+        <p14:creationId xmlns:p14="http://schemas.microsoft.com/office/powerpoint/2010/main" val="2924512562"/>
+      </p:ext>
+    </p:extLst>
+  </p:cSld>
+  <p:clrMap bg1="lt1" tx1="dk1" bg2="lt2" tx2="dk2" accent1="accent1" accent2="accent2" accent3="accent3" accent4="accent4" accent5="accent5" accent6="accent6" hlink="hlink" folHlink="folHlink"/>
+</p:handoutMaster>
+</file>
+
+<file path=ppt/notesMasters/notesMaster1.xml><?xml version="1.0" encoding="utf-8"?>
+<p:notesMaster xmlns:a="http://schemas.openxmlformats.org/drawingml/2006/main" xmlns:r="http://schemas.openxmlformats.org/officeDocument/2006/relationships" xmlns:p="http://schemas.openxmlformats.org/presentationml/2006/main">
+  <p:cSld>
+    <p:bg>
+      <p:bgRef idx="1001">
+        <a:schemeClr val="bg1"/>
+      </p:bgRef>
+    </p:bg>
+    <p:spTree>
+      <p:nvGrpSpPr>
+        <p:cNvPr id="1" name=""/>
+        <p:cNvGrpSpPr/>
+        <p:nvPr/>
+      </p:nvGrpSpPr>
+      <p:grpSpPr>
+        <a:xfrm>
+          <a:off x="0" y="0"/>
+          <a:ext cx="0" cy="0"/>
+          <a:chOff x="0" y="0"/>
+          <a:chExt cx="0" cy="0"/>
+        </a:xfrm>
+      </p:grpSpPr>
+      <p:sp>
+        <p:nvSpPr>
+          <p:cNvPr id="2" name="Tijdelijke aanduiding voor koptekst 1"/>
+          <p:cNvSpPr>
+            <a:spLocks noGrp="1"/>
+          </p:cNvSpPr>
+          <p:nvPr>
+            <p:ph type="hdr" sz="quarter"/>
+          </p:nvPr>
+        </p:nvSpPr>
+        <p:spPr>
+          <a:xfrm>
+            <a:off x="0" y="0"/>
+            <a:ext cx="2971800" cy="457200"/>
+          </a:xfrm>
+          <a:prstGeom prst="rect">
+            <a:avLst/>
+          </a:prstGeom>
+        </p:spPr>
+        <p:txBody>
+          <a:bodyPr vert="horz" lIns="91440" tIns="45720" rIns="91440" bIns="45720" rtlCol="0"/>
+          <a:lstStyle>
+            <a:lvl1pPr algn="l">
+              <a:defRPr sz="1200"/>
+            </a:lvl1pPr>
+          </a:lstStyle>
+          <a:p>
+            <a:endParaRPr lang="en-US"/>
+          </a:p>
+        </p:txBody>
+      </p:sp>
+      <p:sp>
+        <p:nvSpPr>
+          <p:cNvPr id="3" name="Tijdelijke aanduiding voor datum 2"/>
+          <p:cNvSpPr>
+            <a:spLocks noGrp="1"/>
+          </p:cNvSpPr>
+          <p:nvPr>
+            <p:ph type="dt" idx="1"/>
+          </p:nvPr>
+        </p:nvSpPr>
+        <p:spPr>
+          <a:xfrm>
+            <a:off x="3884613" y="0"/>
+            <a:ext cx="2971800" cy="457200"/>
+          </a:xfrm>
+          <a:prstGeom prst="rect">
+            <a:avLst/>
+          </a:prstGeom>
+        </p:spPr>
+        <p:txBody>
+          <a:bodyPr vert="horz" lIns="91440" tIns="45720" rIns="91440" bIns="45720" rtlCol="0"/>
+          <a:lstStyle>
+            <a:lvl1pPr algn="r">
+              <a:defRPr sz="1200"/>
+            </a:lvl1pPr>
+          </a:lstStyle>
+          <a:p>
+            <a:fld id="{CA02D9EB-A04C-45FC-8FFF-4ADBECFB8C99}" type="datetimeFigureOut">
+              <a:rPr lang="en-US" smtClean="0"/>
+              <a:t>1/31/2018</a:t>
+            </a:fld>
+            <a:endParaRPr lang="en-US"/>
+          </a:p>
+        </p:txBody>
+      </p:sp>
+      <p:sp>
+        <p:nvSpPr>
+          <p:cNvPr id="4" name="Tijdelijke aanduiding voor dia-afbeelding 3"/>
+          <p:cNvSpPr>
+            <a:spLocks noGrp="1" noRot="1" noChangeAspect="1"/>
+          </p:cNvSpPr>
+          <p:nvPr>
+            <p:ph type="sldImg" idx="2"/>
+          </p:nvPr>
+        </p:nvSpPr>
+        <p:spPr>
+          <a:xfrm>
+            <a:off x="381000" y="685800"/>
+            <a:ext cx="6096000" cy="3429000"/>
+          </a:xfrm>
+          <a:prstGeom prst="rect">
+            <a:avLst/>
+          </a:prstGeom>
+          <a:noFill/>
+          <a:ln w="12700">
+            <a:solidFill>
+              <a:prstClr val="black"/>
+            </a:solidFill>
+          </a:ln>
+        </p:spPr>
+        <p:txBody>
+          <a:bodyPr vert="horz" lIns="91440" tIns="45720" rIns="91440" bIns="45720" rtlCol="0" anchor="ctr"/>
+          <a:lstStyle/>
+          <a:p>
+            <a:endParaRPr lang="en-US"/>
+          </a:p>
+        </p:txBody>
+      </p:sp>
+      <p:sp>
+        <p:nvSpPr>
+          <p:cNvPr id="5" name="Tijdelijke aanduiding voor notities 4"/>
+          <p:cNvSpPr>
+            <a:spLocks noGrp="1"/>
+          </p:cNvSpPr>
+          <p:nvPr>
+            <p:ph type="body" sz="quarter" idx="3"/>
+          </p:nvPr>
+        </p:nvSpPr>
+        <p:spPr>
+          <a:xfrm>
+            <a:off x="685800" y="4343400"/>
+            <a:ext cx="5486400" cy="4114800"/>
+          </a:xfrm>
+          <a:prstGeom prst="rect">
+            <a:avLst/>
+          </a:prstGeom>
+        </p:spPr>
+        <p:txBody>
+          <a:bodyPr vert="horz" lIns="91440" tIns="45720" rIns="91440" bIns="45720" rtlCol="0"/>
+          <a:lstStyle/>
+          <a:p>
+            <a:pPr lvl="0"/>
+            <a:r>
+              <a:rPr lang="nl-NL" smtClean="0"/>
+              <a:t>Klik om de modelstijlen te bewerken</a:t>
+            </a:r>
+          </a:p>
+          <a:p>
+            <a:pPr lvl="1"/>
+            <a:r>
+              <a:rPr lang="nl-NL" smtClean="0"/>
+              <a:t>Tweede niveau</a:t>
+            </a:r>
+          </a:p>
+          <a:p>
+            <a:pPr lvl="2"/>
+            <a:r>
+              <a:rPr lang="nl-NL" smtClean="0"/>
+              <a:t>Derde niveau</a:t>
+            </a:r>
+          </a:p>
+          <a:p>
+            <a:pPr lvl="3"/>
+            <a:r>
+              <a:rPr lang="nl-NL" smtClean="0"/>
+              <a:t>Vierde niveau</a:t>
+            </a:r>
+          </a:p>
+          <a:p>
+            <a:pPr lvl="4"/>
+            <a:r>
+              <a:rPr lang="nl-NL" smtClean="0"/>
+              <a:t>Vijfde niveau</a:t>
+            </a:r>
+            <a:endParaRPr lang="en-US"/>
+          </a:p>
+        </p:txBody>
+      </p:sp>
+      <p:sp>
+        <p:nvSpPr>
+          <p:cNvPr id="6" name="Tijdelijke aanduiding voor voettekst 5"/>
+          <p:cNvSpPr>
+            <a:spLocks noGrp="1"/>
+          </p:cNvSpPr>
+          <p:nvPr>
+            <p:ph type="ftr" sz="quarter" idx="4"/>
+          </p:nvPr>
+        </p:nvSpPr>
+        <p:spPr>
+          <a:xfrm>
+            <a:off x="0" y="8685213"/>
+            <a:ext cx="2971800" cy="457200"/>
+          </a:xfrm>
+          <a:prstGeom prst="rect">
+            <a:avLst/>
+          </a:prstGeom>
+        </p:spPr>
+        <p:txBody>
+          <a:bodyPr vert="horz" lIns="91440" tIns="45720" rIns="91440" bIns="45720" rtlCol="0" anchor="b"/>
+          <a:lstStyle>
+            <a:lvl1pPr algn="l">
+              <a:defRPr sz="1200"/>
+            </a:lvl1pPr>
+          </a:lstStyle>
+          <a:p>
+            <a:endParaRPr lang="en-US"/>
+          </a:p>
+        </p:txBody>
+      </p:sp>
+      <p:sp>
+        <p:nvSpPr>
+          <p:cNvPr id="7" name="Tijdelijke aanduiding voor dianummer 6"/>
+          <p:cNvSpPr>
+            <a:spLocks noGrp="1"/>
+          </p:cNvSpPr>
+          <p:nvPr>
+            <p:ph type="sldNum" sz="quarter" idx="5"/>
+          </p:nvPr>
+        </p:nvSpPr>
+        <p:spPr>
+          <a:xfrm>
+            <a:off x="3884613" y="8685213"/>
+            <a:ext cx="2971800" cy="457200"/>
+          </a:xfrm>
+          <a:prstGeom prst="rect">
+            <a:avLst/>
+          </a:prstGeom>
+        </p:spPr>
+        <p:txBody>
+          <a:bodyPr vert="horz" lIns="91440" tIns="45720" rIns="91440" bIns="45720" rtlCol="0" anchor="b"/>
+          <a:lstStyle>
+            <a:lvl1pPr algn="r">
+              <a:defRPr sz="1200"/>
+            </a:lvl1pPr>
+          </a:lstStyle>
+          <a:p>
+            <a:fld id="{29801A20-8631-465C-873F-E2D1F7765E39}" type="slidenum">
+              <a:rPr lang="en-US" smtClean="0"/>
+              <a:t>‹nr.›</a:t>
+            </a:fld>
+            <a:endParaRPr lang="en-US"/>
+          </a:p>
+        </p:txBody>
+      </p:sp>
+    </p:spTree>
+    <p:extLst>
+      <p:ext uri="{BB962C8B-B14F-4D97-AF65-F5344CB8AC3E}">
+        <p14:creationId xmlns:p14="http://schemas.microsoft.com/office/powerpoint/2010/main" val="3711134294"/>
+      </p:ext>
+    </p:extLst>
+  </p:cSld>
+  <p:clrMap bg1="lt1" tx1="dk1" bg2="lt2" tx2="dk2" accent1="accent1" accent2="accent2" accent3="accent3" accent4="accent4" accent5="accent5" accent6="accent6" hlink="hlink" folHlink="folHlink"/>
+  <p:notesStyle>
+    <a:lvl1pPr marL="0" algn="l" defTabSz="914400" rtl="0" eaLnBrk="1" latinLnBrk="0" hangingPunct="1">
+      <a:defRPr sz="1200" kern="1200">
+        <a:solidFill>
+          <a:schemeClr val="tx1"/>
+        </a:solidFill>
+        <a:latin typeface="+mn-lt"/>
+        <a:ea typeface="+mn-ea"/>
+        <a:cs typeface="+mn-cs"/>
+      </a:defRPr>
+    </a:lvl1pPr>
+    <a:lvl2pPr marL="457200" algn="l" defTabSz="914400" rtl="0" eaLnBrk="1" latinLnBrk="0" hangingPunct="1">
+      <a:defRPr sz="1200" kern="1200">
+        <a:solidFill>
+          <a:schemeClr val="tx1"/>
+        </a:solidFill>
+        <a:latin typeface="+mn-lt"/>
+        <a:ea typeface="+mn-ea"/>
+        <a:cs typeface="+mn-cs"/>
+      </a:defRPr>
+    </a:lvl2pPr>
+    <a:lvl3pPr marL="914400" algn="l" defTabSz="914400" rtl="0" eaLnBrk="1" latinLnBrk="0" hangingPunct="1">
+      <a:defRPr sz="1200" kern="1200">
+        <a:solidFill>
+          <a:schemeClr val="tx1"/>
+        </a:solidFill>
+        <a:latin typeface="+mn-lt"/>
+        <a:ea typeface="+mn-ea"/>
+        <a:cs typeface="+mn-cs"/>
+      </a:defRPr>
+    </a:lvl3pPr>
+    <a:lvl4pPr marL="1371600" algn="l" defTabSz="914400" rtl="0" eaLnBrk="1" latinLnBrk="0" hangingPunct="1">
+      <a:defRPr sz="1200" kern="1200">
+        <a:solidFill>
+          <a:schemeClr val="tx1"/>
+        </a:solidFill>
+        <a:latin typeface="+mn-lt"/>
+        <a:ea typeface="+mn-ea"/>
+        <a:cs typeface="+mn-cs"/>
+      </a:defRPr>
+    </a:lvl4pPr>
+    <a:lvl5pPr marL="1828800" algn="l" defTabSz="914400" rtl="0" eaLnBrk="1" latinLnBrk="0" hangingPunct="1">
+      <a:defRPr sz="1200" kern="1200">
+        <a:solidFill>
+          <a:schemeClr val="tx1"/>
+        </a:solidFill>
+        <a:latin typeface="+mn-lt"/>
+        <a:ea typeface="+mn-ea"/>
+        <a:cs typeface="+mn-cs"/>
+      </a:defRPr>
+    </a:lvl5pPr>
+    <a:lvl6pPr marL="2286000" algn="l" defTabSz="914400" rtl="0" eaLnBrk="1" latinLnBrk="0" hangingPunct="1">
+      <a:defRPr sz="1200" kern="1200">
+        <a:solidFill>
+          <a:schemeClr val="tx1"/>
+        </a:solidFill>
+        <a:latin typeface="+mn-lt"/>
+        <a:ea typeface="+mn-ea"/>
+        <a:cs typeface="+mn-cs"/>
+      </a:defRPr>
+    </a:lvl6pPr>
+    <a:lvl7pPr marL="2743200" algn="l" defTabSz="914400" rtl="0" eaLnBrk="1" latinLnBrk="0" hangingPunct="1">
+      <a:defRPr sz="1200" kern="1200">
+        <a:solidFill>
+          <a:schemeClr val="tx1"/>
+        </a:solidFill>
+        <a:latin typeface="+mn-lt"/>
+        <a:ea typeface="+mn-ea"/>
+        <a:cs typeface="+mn-cs"/>
+      </a:defRPr>
+    </a:lvl7pPr>
+    <a:lvl8pPr marL="3200400" algn="l" defTabSz="914400" rtl="0" eaLnBrk="1" latinLnBrk="0" hangingPunct="1">
+      <a:defRPr sz="1200" kern="1200">
+        <a:solidFill>
+          <a:schemeClr val="tx1"/>
+        </a:solidFill>
+        <a:latin typeface="+mn-lt"/>
+        <a:ea typeface="+mn-ea"/>
+        <a:cs typeface="+mn-cs"/>
+      </a:defRPr>
+    </a:lvl8pPr>
+    <a:lvl9pPr marL="3657600" algn="l" defTabSz="914400" rtl="0" eaLnBrk="1" latinLnBrk="0" hangingPunct="1">
+      <a:defRPr sz="1200" kern="1200">
+        <a:solidFill>
+          <a:schemeClr val="tx1"/>
+        </a:solidFill>
+        <a:latin typeface="+mn-lt"/>
+        <a:ea typeface="+mn-ea"/>
+        <a:cs typeface="+mn-cs"/>
+      </a:defRPr>
+    </a:lvl9pPr>
+  </p:notesStyle>
+</p:notesMaster>
+</file>
+
+<file path=ppt/notesSlides/notesSlide1.xml><?xml version="1.0" encoding="utf-8"?>
+<p:notes xmlns:a="http://schemas.openxmlformats.org/drawingml/2006/main" xmlns:r="http://schemas.openxmlformats.org/officeDocument/2006/relationships" xmlns:p="http://schemas.openxmlformats.org/presentationml/2006/main">
+  <p:cSld>
+    <p:spTree>
+      <p:nvGrpSpPr>
+        <p:cNvPr id="1" name=""/>
+        <p:cNvGrpSpPr/>
+        <p:nvPr/>
+      </p:nvGrpSpPr>
+      <p:grpSpPr>
+        <a:xfrm>
+          <a:off x="0" y="0"/>
+          <a:ext cx="0" cy="0"/>
+          <a:chOff x="0" y="0"/>
+          <a:chExt cx="0" cy="0"/>
+        </a:xfrm>
+      </p:grpSpPr>
+      <p:sp>
+        <p:nvSpPr>
+          <p:cNvPr id="2" name="Tijdelijke aanduiding voor dia-afbeelding 1"/>
+          <p:cNvSpPr>
+            <a:spLocks noGrp="1" noRot="1" noChangeAspect="1"/>
+          </p:cNvSpPr>
+          <p:nvPr>
+            <p:ph type="sldImg"/>
+          </p:nvPr>
+        </p:nvSpPr>
+        <p:spPr>
+          <a:xfrm>
+            <a:off x="381000" y="685800"/>
+            <a:ext cx="6096000" cy="3429000"/>
+          </a:xfrm>
+        </p:spPr>
+      </p:sp>
+      <p:sp>
+        <p:nvSpPr>
+          <p:cNvPr id="3" name="Tijdelijke aanduiding voor notities 2"/>
+          <p:cNvSpPr>
+            <a:spLocks noGrp="1"/>
+          </p:cNvSpPr>
+          <p:nvPr>
+            <p:ph type="body" idx="1"/>
+          </p:nvPr>
+        </p:nvSpPr>
+        <p:spPr/>
+        <p:txBody>
+          <a:bodyPr/>
+          <a:lstStyle/>
+          <a:p>
+            <a:endParaRPr lang="en-US"/>
+          </a:p>
+        </p:txBody>
+      </p:sp>
+      <p:sp>
+        <p:nvSpPr>
+          <p:cNvPr id="4" name="Tijdelijke aanduiding voor dianummer 3"/>
+          <p:cNvSpPr>
+            <a:spLocks noGrp="1"/>
+          </p:cNvSpPr>
+          <p:nvPr>
+            <p:ph type="sldNum" sz="quarter" idx="10"/>
+          </p:nvPr>
+        </p:nvSpPr>
+        <p:spPr/>
+        <p:txBody>
+          <a:bodyPr/>
+          <a:lstStyle/>
+          <a:p>
+            <a:fld id="{29801A20-8631-465C-873F-E2D1F7765E39}" type="slidenum">
+              <a:rPr lang="en-US" smtClean="0"/>
+              <a:t>1</a:t>
+            </a:fld>
+            <a:endParaRPr lang="en-US"/>
+          </a:p>
+        </p:txBody>
+      </p:sp>
+    </p:spTree>
+    <p:extLst>
+      <p:ext uri="{BB962C8B-B14F-4D97-AF65-F5344CB8AC3E}">
+        <p14:creationId xmlns:p14="http://schemas.microsoft.com/office/powerpoint/2010/main" val="3091769095"/>
+      </p:ext>
+    </p:extLst>
+  </p:cSld>
+  <p:clrMapOvr>
+    <a:masterClrMapping/>
+  </p:clrMapOvr>
+</p:notes>
+</file>
+
 <file path=ppt/slideLayouts/slideLayout1.xml><?xml version="1.0" encoding="utf-8"?>
 <p:sldLayout xmlns:a="http://schemas.openxmlformats.org/drawingml/2006/main" xmlns:r="http://schemas.openxmlformats.org/officeDocument/2006/relationships" xmlns:p="http://schemas.openxmlformats.org/presentationml/2006/main" type="title" preserve="1">
   <p:cSld name="Titeldia">
@@ -225,8 +835,8 @@
         </p:nvSpPr>
         <p:spPr>
           <a:xfrm>
-            <a:off x="685800" y="2130425"/>
-            <a:ext cx="7772400" cy="1470025"/>
+            <a:off x="685800" y="1597819"/>
+            <a:ext cx="7772400" cy="1102519"/>
           </a:xfrm>
         </p:spPr>
         <p:txBody>
@@ -234,10 +844,10 @@
           <a:lstStyle/>
           <a:p>
             <a:r>
-              <a:rPr lang="nl-NL" smtClean="0"/>
+              <a:rPr lang="nl-NL" dirty="0" smtClean="0"/>
               <a:t>Klik om de stijl te bewerken</a:t>
             </a:r>
-            <a:endParaRPr lang="en-US"/>
+            <a:endParaRPr lang="en-US" dirty="0"/>
           </a:p>
         </p:txBody>
       </p:sp>
@@ -253,8 +863,8 @@
         </p:nvSpPr>
         <p:spPr>
           <a:xfrm>
-            <a:off x="1371600" y="3886200"/>
-            <a:ext cx="6400800" cy="1752600"/>
+            <a:off x="1371600" y="2914650"/>
+            <a:ext cx="6400800" cy="1314450"/>
           </a:xfrm>
         </p:spPr>
         <p:txBody>
@@ -264,9 +874,7 @@
               <a:buNone/>
               <a:defRPr>
                 <a:solidFill>
-                  <a:schemeClr val="tx1">
-                    <a:tint val="75000"/>
-                  </a:schemeClr>
+                  <a:schemeClr val="bg1"/>
                 </a:solidFill>
               </a:defRPr>
             </a:lvl1pPr>
@@ -377,7 +985,7 @@
           <a:p>
             <a:fld id="{E9CD3BAB-6B44-46E4-B73A-7A5C80B404A6}" type="datetimeFigureOut">
               <a:rPr lang="en-US" smtClean="0"/>
-              <a:t>1/30/2018</a:t>
+              <a:t>1/31/2018</a:t>
             </a:fld>
             <a:endParaRPr lang="en-US"/>
           </a:p>
@@ -422,6 +1030,329 @@
               <a:t>‹nr.›</a:t>
             </a:fld>
             <a:endParaRPr lang="en-US"/>
+          </a:p>
+        </p:txBody>
+      </p:sp>
+      <p:grpSp>
+        <p:nvGrpSpPr>
+          <p:cNvPr id="10" name="Group 24"/>
+          <p:cNvGrpSpPr/>
+          <p:nvPr userDrawn="1"/>
+        </p:nvGrpSpPr>
+        <p:grpSpPr>
+          <a:xfrm>
+            <a:off x="251521" y="204319"/>
+            <a:ext cx="1601874" cy="1195677"/>
+            <a:chOff x="628650" y="219174"/>
+            <a:chExt cx="2313071" cy="1726531"/>
+          </a:xfrm>
+          <a:effectLst/>
+        </p:grpSpPr>
+        <p:pic>
+          <p:nvPicPr>
+            <p:cNvPr id="11" name="Picture 25"/>
+            <p:cNvPicPr>
+              <a:picLocks noChangeAspect="1"/>
+            </p:cNvPicPr>
+            <p:nvPr/>
+          </p:nvPicPr>
+          <p:blipFill>
+            <a:blip r:embed="rId2">
+              <a:extLst>
+                <a:ext uri="{28A0092B-C50C-407E-A947-70E740481C1C}">
+                  <a14:useLocalDpi xmlns:a14="http://schemas.microsoft.com/office/drawing/2010/main" val="0"/>
+                </a:ext>
+              </a:extLst>
+            </a:blip>
+            <a:stretch>
+              <a:fillRect/>
+            </a:stretch>
+          </p:blipFill>
+          <p:spPr>
+            <a:xfrm>
+              <a:off x="1461837" y="219174"/>
+              <a:ext cx="1479884" cy="1726531"/>
+            </a:xfrm>
+            <a:prstGeom prst="rect">
+              <a:avLst/>
+            </a:prstGeom>
+          </p:spPr>
+        </p:pic>
+        <p:pic>
+          <p:nvPicPr>
+            <p:cNvPr id="12" name="Picture 26"/>
+            <p:cNvPicPr>
+              <a:picLocks/>
+            </p:cNvPicPr>
+            <p:nvPr/>
+          </p:nvPicPr>
+          <p:blipFill>
+            <a:blip r:embed="rId3" cstate="print">
+              <a:extLst>
+                <a:ext uri="{28A0092B-C50C-407E-A947-70E740481C1C}">
+                  <a14:useLocalDpi xmlns:a14="http://schemas.microsoft.com/office/drawing/2010/main" val="0"/>
+                </a:ext>
+              </a:extLst>
+            </a:blip>
+            <a:stretch>
+              <a:fillRect/>
+            </a:stretch>
+          </p:blipFill>
+          <p:spPr>
+            <a:xfrm rot="10800000" flipH="1" flipV="1">
+              <a:off x="628650" y="349647"/>
+              <a:ext cx="983582" cy="1464384"/>
+            </a:xfrm>
+            <a:prstGeom prst="rect">
+              <a:avLst/>
+            </a:prstGeom>
+          </p:spPr>
+        </p:pic>
+      </p:grpSp>
+      <p:grpSp>
+        <p:nvGrpSpPr>
+          <p:cNvPr id="17" name="Groep 16"/>
+          <p:cNvGrpSpPr>
+            <a:grpSpLocks noChangeAspect="1"/>
+          </p:cNvGrpSpPr>
+          <p:nvPr userDrawn="1"/>
+        </p:nvGrpSpPr>
+        <p:grpSpPr>
+          <a:xfrm rot="782843">
+            <a:off x="7460358" y="-374337"/>
+            <a:ext cx="3221275" cy="7249978"/>
+            <a:chOff x="7715589" y="-977768"/>
+            <a:chExt cx="3221275" cy="7249978"/>
+          </a:xfrm>
+        </p:grpSpPr>
+        <p:pic>
+          <p:nvPicPr>
+            <p:cNvPr id="3075" name="Picture 3" descr="\\fs-smb-019.ad.naturalis.nl\homedir\Marijn.Boer\Downloads\Fire-Ants.png"/>
+            <p:cNvPicPr>
+              <a:picLocks noChangeAspect="1" noChangeArrowheads="1"/>
+            </p:cNvPicPr>
+            <p:nvPr userDrawn="1"/>
+          </p:nvPicPr>
+          <p:blipFill>
+            <a:blip r:embed="rId4" cstate="print">
+              <a:extLst>
+                <a:ext uri="{28A0092B-C50C-407E-A947-70E740481C1C}">
+                  <a14:useLocalDpi xmlns:a14="http://schemas.microsoft.com/office/drawing/2010/main" val="0"/>
+                </a:ext>
+              </a:extLst>
+            </a:blip>
+            <a:srcRect/>
+            <a:stretch>
+              <a:fillRect/>
+            </a:stretch>
+          </p:blipFill>
+          <p:spPr bwMode="auto">
+            <a:xfrm rot="16747638">
+              <a:off x="8083320" y="-977768"/>
+              <a:ext cx="2447549" cy="2447549"/>
+            </a:xfrm>
+            <a:prstGeom prst="rect">
+              <a:avLst/>
+            </a:prstGeom>
+            <a:noFill/>
+            <a:extLst>
+              <a:ext uri="{909E8E84-426E-40DD-AFC4-6F175D3DCCD1}">
+                <a14:hiddenFill xmlns:a14="http://schemas.microsoft.com/office/drawing/2010/main">
+                  <a:solidFill>
+                    <a:srgbClr val="FFFFFF"/>
+                  </a:solidFill>
+                </a14:hiddenFill>
+              </a:ext>
+            </a:extLst>
+          </p:spPr>
+        </p:pic>
+        <p:pic>
+          <p:nvPicPr>
+            <p:cNvPr id="20" name="Picture 3" descr="\\fs-smb-019.ad.naturalis.nl\homedir\Marijn.Boer\Downloads\Fire-Ants.png"/>
+            <p:cNvPicPr>
+              <a:picLocks noChangeAspect="1" noChangeArrowheads="1"/>
+            </p:cNvPicPr>
+            <p:nvPr userDrawn="1"/>
+          </p:nvPicPr>
+          <p:blipFill>
+            <a:blip r:embed="rId4" cstate="print">
+              <a:extLst>
+                <a:ext uri="{28A0092B-C50C-407E-A947-70E740481C1C}">
+                  <a14:useLocalDpi xmlns:a14="http://schemas.microsoft.com/office/drawing/2010/main" val="0"/>
+                </a:ext>
+              </a:extLst>
+            </a:blip>
+            <a:srcRect/>
+            <a:stretch>
+              <a:fillRect/>
+            </a:stretch>
+          </p:blipFill>
+          <p:spPr bwMode="auto">
+            <a:xfrm rot="17670045">
+              <a:off x="7715589" y="3824661"/>
+              <a:ext cx="2447549" cy="2447549"/>
+            </a:xfrm>
+            <a:prstGeom prst="rect">
+              <a:avLst/>
+            </a:prstGeom>
+            <a:noFill/>
+            <a:extLst>
+              <a:ext uri="{909E8E84-426E-40DD-AFC4-6F175D3DCCD1}">
+                <a14:hiddenFill xmlns:a14="http://schemas.microsoft.com/office/drawing/2010/main">
+                  <a:solidFill>
+                    <a:srgbClr val="FFFFFF"/>
+                  </a:solidFill>
+                </a14:hiddenFill>
+              </a:ext>
+            </a:extLst>
+          </p:spPr>
+        </p:pic>
+        <p:pic>
+          <p:nvPicPr>
+            <p:cNvPr id="21" name="Picture 3" descr="\\fs-smb-019.ad.naturalis.nl\homedir\Marijn.Boer\Downloads\Fire-Ants.png"/>
+            <p:cNvPicPr>
+              <a:picLocks noChangeAspect="1" noChangeArrowheads="1"/>
+            </p:cNvPicPr>
+            <p:nvPr userDrawn="1"/>
+          </p:nvPicPr>
+          <p:blipFill>
+            <a:blip r:embed="rId4" cstate="print">
+              <a:extLst>
+                <a:ext uri="{28A0092B-C50C-407E-A947-70E740481C1C}">
+                  <a14:useLocalDpi xmlns:a14="http://schemas.microsoft.com/office/drawing/2010/main" val="0"/>
+                </a:ext>
+              </a:extLst>
+            </a:blip>
+            <a:srcRect/>
+            <a:stretch>
+              <a:fillRect/>
+            </a:stretch>
+          </p:blipFill>
+          <p:spPr bwMode="auto">
+            <a:xfrm rot="18153466">
+              <a:off x="8489315" y="2342018"/>
+              <a:ext cx="2447549" cy="2447549"/>
+            </a:xfrm>
+            <a:prstGeom prst="rect">
+              <a:avLst/>
+            </a:prstGeom>
+            <a:noFill/>
+            <a:extLst>
+              <a:ext uri="{909E8E84-426E-40DD-AFC4-6F175D3DCCD1}">
+                <a14:hiddenFill xmlns:a14="http://schemas.microsoft.com/office/drawing/2010/main">
+                  <a:solidFill>
+                    <a:srgbClr val="FFFFFF"/>
+                  </a:solidFill>
+                </a14:hiddenFill>
+              </a:ext>
+            </a:extLst>
+          </p:spPr>
+        </p:pic>
+        <p:pic>
+          <p:nvPicPr>
+            <p:cNvPr id="22" name="Picture 3" descr="\\fs-smb-019.ad.naturalis.nl\homedir\Marijn.Boer\Downloads\Fire-Ants.png"/>
+            <p:cNvPicPr>
+              <a:picLocks noChangeAspect="1" noChangeArrowheads="1"/>
+            </p:cNvPicPr>
+            <p:nvPr userDrawn="1"/>
+          </p:nvPicPr>
+          <p:blipFill>
+            <a:blip r:embed="rId4" cstate="print">
+              <a:extLst>
+                <a:ext uri="{28A0092B-C50C-407E-A947-70E740481C1C}">
+                  <a14:useLocalDpi xmlns:a14="http://schemas.microsoft.com/office/drawing/2010/main" val="0"/>
+                </a:ext>
+              </a:extLst>
+            </a:blip>
+            <a:srcRect/>
+            <a:stretch>
+              <a:fillRect/>
+            </a:stretch>
+          </p:blipFill>
+          <p:spPr bwMode="auto">
+            <a:xfrm rot="10438364">
+              <a:off x="8098623" y="656112"/>
+              <a:ext cx="2447549" cy="2447549"/>
+            </a:xfrm>
+            <a:prstGeom prst="rect">
+              <a:avLst/>
+            </a:prstGeom>
+            <a:noFill/>
+            <a:extLst>
+              <a:ext uri="{909E8E84-426E-40DD-AFC4-6F175D3DCCD1}">
+                <a14:hiddenFill xmlns:a14="http://schemas.microsoft.com/office/drawing/2010/main">
+                  <a:solidFill>
+                    <a:srgbClr val="FFFFFF"/>
+                  </a:solidFill>
+                </a14:hiddenFill>
+              </a:ext>
+            </a:extLst>
+          </p:spPr>
+        </p:pic>
+      </p:grpSp>
+      <p:sp>
+        <p:nvSpPr>
+          <p:cNvPr id="18" name="Tekstvak 17"/>
+          <p:cNvSpPr txBox="1"/>
+          <p:nvPr userDrawn="1"/>
+        </p:nvSpPr>
+        <p:spPr>
+          <a:xfrm>
+            <a:off x="6799009" y="0"/>
+            <a:ext cx="2344991" cy="553998"/>
+          </a:xfrm>
+          <a:prstGeom prst="rect">
+            <a:avLst/>
+          </a:prstGeom>
+          <a:noFill/>
+        </p:spPr>
+        <p:txBody>
+          <a:bodyPr wrap="square" rtlCol="0">
+            <a:spAutoFit/>
+          </a:bodyPr>
+          <a:lstStyle/>
+          <a:p>
+            <a:r>
+              <a:rPr lang="nl-NL" sz="600" dirty="0" smtClean="0">
+                <a:solidFill>
+                  <a:schemeClr val="bg1">
+                    <a:lumMod val="50000"/>
+                  </a:schemeClr>
+                </a:solidFill>
+              </a:rPr>
+              <a:t>Image sources: </a:t>
+            </a:r>
+          </a:p>
+          <a:p>
+            <a:r>
+              <a:rPr lang="nl-NL" sz="600" dirty="0" smtClean="0">
+                <a:solidFill>
+                  <a:schemeClr val="bg1">
+                    <a:lumMod val="50000"/>
+                  </a:schemeClr>
+                </a:solidFill>
+              </a:rPr>
+              <a:t>https://www.sas.com/content/dam/SAS/en_us/image/sas-com/backgrounds/textures/abstract-backgrounds-teal-overlay.jpg</a:t>
+            </a:r>
+          </a:p>
+          <a:p>
+            <a:r>
+              <a:rPr lang="nl-NL" sz="600" dirty="0" smtClean="0">
+                <a:solidFill>
+                  <a:schemeClr val="bg1">
+                    <a:lumMod val="50000"/>
+                  </a:schemeClr>
+                </a:solidFill>
+              </a:rPr>
+              <a:t>http://www.elementpest.com/wp-content/uploads/2015/11/Fire-Ants.png</a:t>
+            </a:r>
+            <a:endParaRPr lang="en-US" sz="600" dirty="0">
+              <a:solidFill>
+                <a:schemeClr val="bg1">
+                  <a:lumMod val="50000"/>
+                </a:schemeClr>
+              </a:solidFill>
+            </a:endParaRPr>
           </a:p>
         </p:txBody>
       </p:sp>
@@ -435,6 +1366,13 @@
   <p:clrMapOvr>
     <a:masterClrMapping/>
   </p:clrMapOvr>
+  <p:timing>
+    <p:tnLst>
+      <p:par>
+        <p:cTn id="1" dur="indefinite" restart="never" nodeType="tmRoot"/>
+      </p:par>
+    </p:tnLst>
+  </p:timing>
 </p:sldLayout>
 </file>
 
@@ -547,7 +1485,7 @@
           <a:p>
             <a:fld id="{E9CD3BAB-6B44-46E4-B73A-7A5C80B404A6}" type="datetimeFigureOut">
               <a:rPr lang="en-US" smtClean="0"/>
-              <a:t>1/30/2018</a:t>
+              <a:t>1/31/2018</a:t>
             </a:fld>
             <a:endParaRPr lang="en-US"/>
           </a:p>
@@ -595,6 +1533,187 @@
           </a:p>
         </p:txBody>
       </p:sp>
+      <p:grpSp>
+        <p:nvGrpSpPr>
+          <p:cNvPr id="7" name="Groep 6"/>
+          <p:cNvGrpSpPr>
+            <a:grpSpLocks noChangeAspect="1"/>
+          </p:cNvGrpSpPr>
+          <p:nvPr userDrawn="1"/>
+        </p:nvGrpSpPr>
+        <p:grpSpPr>
+          <a:xfrm rot="782843">
+            <a:off x="7460358" y="-374337"/>
+            <a:ext cx="3221275" cy="7249978"/>
+            <a:chOff x="7715589" y="-977768"/>
+            <a:chExt cx="3221275" cy="7249978"/>
+          </a:xfrm>
+        </p:grpSpPr>
+        <p:pic>
+          <p:nvPicPr>
+            <p:cNvPr id="8" name="Picture 3" descr="\\fs-smb-019.ad.naturalis.nl\homedir\Marijn.Boer\Downloads\Fire-Ants.png"/>
+            <p:cNvPicPr>
+              <a:picLocks noChangeAspect="1" noChangeArrowheads="1"/>
+            </p:cNvPicPr>
+            <p:nvPr userDrawn="1"/>
+          </p:nvPicPr>
+          <p:blipFill>
+            <a:blip r:embed="rId2" cstate="print">
+              <a:extLst>
+                <a:ext uri="{28A0092B-C50C-407E-A947-70E740481C1C}">
+                  <a14:useLocalDpi xmlns:a14="http://schemas.microsoft.com/office/drawing/2010/main" val="0"/>
+                </a:ext>
+              </a:extLst>
+            </a:blip>
+            <a:srcRect/>
+            <a:stretch>
+              <a:fillRect/>
+            </a:stretch>
+          </p:blipFill>
+          <p:spPr bwMode="auto">
+            <a:xfrm rot="16747638">
+              <a:off x="8083320" y="-977768"/>
+              <a:ext cx="2447549" cy="2447549"/>
+            </a:xfrm>
+            <a:prstGeom prst="rect">
+              <a:avLst/>
+            </a:prstGeom>
+            <a:noFill/>
+            <a:extLst>
+              <a:ext uri="{909E8E84-426E-40DD-AFC4-6F175D3DCCD1}">
+                <a14:hiddenFill xmlns:a14="http://schemas.microsoft.com/office/drawing/2010/main">
+                  <a:solidFill>
+                    <a:srgbClr val="FFFFFF"/>
+                  </a:solidFill>
+                </a14:hiddenFill>
+              </a:ext>
+            </a:extLst>
+          </p:spPr>
+        </p:pic>
+        <p:pic>
+          <p:nvPicPr>
+            <p:cNvPr id="9" name="Picture 3" descr="\\fs-smb-019.ad.naturalis.nl\homedir\Marijn.Boer\Downloads\Fire-Ants.png"/>
+            <p:cNvPicPr>
+              <a:picLocks noChangeAspect="1" noChangeArrowheads="1"/>
+            </p:cNvPicPr>
+            <p:nvPr userDrawn="1"/>
+          </p:nvPicPr>
+          <p:blipFill>
+            <a:blip r:embed="rId2" cstate="print">
+              <a:extLst>
+                <a:ext uri="{28A0092B-C50C-407E-A947-70E740481C1C}">
+                  <a14:useLocalDpi xmlns:a14="http://schemas.microsoft.com/office/drawing/2010/main" val="0"/>
+                </a:ext>
+              </a:extLst>
+            </a:blip>
+            <a:srcRect/>
+            <a:stretch>
+              <a:fillRect/>
+            </a:stretch>
+          </p:blipFill>
+          <p:spPr bwMode="auto">
+            <a:xfrm rot="17670045">
+              <a:off x="7715589" y="3824661"/>
+              <a:ext cx="2447549" cy="2447549"/>
+            </a:xfrm>
+            <a:prstGeom prst="rect">
+              <a:avLst/>
+            </a:prstGeom>
+            <a:noFill/>
+            <a:extLst>
+              <a:ext uri="{909E8E84-426E-40DD-AFC4-6F175D3DCCD1}">
+                <a14:hiddenFill xmlns:a14="http://schemas.microsoft.com/office/drawing/2010/main">
+                  <a:solidFill>
+                    <a:srgbClr val="FFFFFF"/>
+                  </a:solidFill>
+                </a14:hiddenFill>
+              </a:ext>
+            </a:extLst>
+          </p:spPr>
+        </p:pic>
+        <p:pic>
+          <p:nvPicPr>
+            <p:cNvPr id="10" name="Picture 3" descr="\\fs-smb-019.ad.naturalis.nl\homedir\Marijn.Boer\Downloads\Fire-Ants.png"/>
+            <p:cNvPicPr>
+              <a:picLocks noChangeAspect="1" noChangeArrowheads="1"/>
+            </p:cNvPicPr>
+            <p:nvPr userDrawn="1"/>
+          </p:nvPicPr>
+          <p:blipFill>
+            <a:blip r:embed="rId2" cstate="print">
+              <a:extLst>
+                <a:ext uri="{28A0092B-C50C-407E-A947-70E740481C1C}">
+                  <a14:useLocalDpi xmlns:a14="http://schemas.microsoft.com/office/drawing/2010/main" val="0"/>
+                </a:ext>
+              </a:extLst>
+            </a:blip>
+            <a:srcRect/>
+            <a:stretch>
+              <a:fillRect/>
+            </a:stretch>
+          </p:blipFill>
+          <p:spPr bwMode="auto">
+            <a:xfrm rot="18153466">
+              <a:off x="8489315" y="2342018"/>
+              <a:ext cx="2447549" cy="2447549"/>
+            </a:xfrm>
+            <a:prstGeom prst="rect">
+              <a:avLst/>
+            </a:prstGeom>
+            <a:noFill/>
+            <a:extLst>
+              <a:ext uri="{909E8E84-426E-40DD-AFC4-6F175D3DCCD1}">
+                <a14:hiddenFill xmlns:a14="http://schemas.microsoft.com/office/drawing/2010/main">
+                  <a:solidFill>
+                    <a:srgbClr val="FFFFFF"/>
+                  </a:solidFill>
+                </a14:hiddenFill>
+              </a:ext>
+            </a:extLst>
+          </p:spPr>
+        </p:pic>
+        <p:pic>
+          <p:nvPicPr>
+            <p:cNvPr id="11" name="Picture 3" descr="\\fs-smb-019.ad.naturalis.nl\homedir\Marijn.Boer\Downloads\Fire-Ants.png"/>
+            <p:cNvPicPr>
+              <a:picLocks noChangeAspect="1" noChangeArrowheads="1"/>
+            </p:cNvPicPr>
+            <p:nvPr userDrawn="1"/>
+          </p:nvPicPr>
+          <p:blipFill>
+            <a:blip r:embed="rId2" cstate="print">
+              <a:extLst>
+                <a:ext uri="{28A0092B-C50C-407E-A947-70E740481C1C}">
+                  <a14:useLocalDpi xmlns:a14="http://schemas.microsoft.com/office/drawing/2010/main" val="0"/>
+                </a:ext>
+              </a:extLst>
+            </a:blip>
+            <a:srcRect/>
+            <a:stretch>
+              <a:fillRect/>
+            </a:stretch>
+          </p:blipFill>
+          <p:spPr bwMode="auto">
+            <a:xfrm rot="10438364">
+              <a:off x="8098623" y="656112"/>
+              <a:ext cx="2447549" cy="2447549"/>
+            </a:xfrm>
+            <a:prstGeom prst="rect">
+              <a:avLst/>
+            </a:prstGeom>
+            <a:noFill/>
+            <a:extLst>
+              <a:ext uri="{909E8E84-426E-40DD-AFC4-6F175D3DCCD1}">
+                <a14:hiddenFill xmlns:a14="http://schemas.microsoft.com/office/drawing/2010/main">
+                  <a:solidFill>
+                    <a:srgbClr val="FFFFFF"/>
+                  </a:solidFill>
+                </a14:hiddenFill>
+              </a:ext>
+            </a:extLst>
+          </p:spPr>
+        </p:pic>
+      </p:grpSp>
     </p:spTree>
     <p:extLst>
       <p:ext uri="{BB962C8B-B14F-4D97-AF65-F5344CB8AC3E}">
@@ -605,6 +1724,13 @@
   <p:clrMapOvr>
     <a:masterClrMapping/>
   </p:clrMapOvr>
+  <p:timing>
+    <p:tnLst>
+      <p:par>
+        <p:cTn id="1" dur="indefinite" restart="never" nodeType="tmRoot"/>
+      </p:par>
+    </p:tnLst>
+  </p:timing>
 </p:sldLayout>
 </file>
 
@@ -637,8 +1763,8 @@
         </p:nvSpPr>
         <p:spPr>
           <a:xfrm>
-            <a:off x="6629400" y="274638"/>
-            <a:ext cx="2057400" cy="5851525"/>
+            <a:off x="6629400" y="205979"/>
+            <a:ext cx="2057400" cy="4388644"/>
           </a:xfrm>
         </p:spPr>
         <p:txBody>
@@ -646,10 +1772,10 @@
           <a:lstStyle/>
           <a:p>
             <a:r>
-              <a:rPr lang="nl-NL" smtClean="0"/>
+              <a:rPr lang="nl-NL" dirty="0" smtClean="0"/>
               <a:t>Klik om de stijl te bewerken</a:t>
             </a:r>
-            <a:endParaRPr lang="en-US"/>
+            <a:endParaRPr lang="en-US" dirty="0"/>
           </a:p>
         </p:txBody>
       </p:sp>
@@ -665,8 +1791,8 @@
         </p:nvSpPr>
         <p:spPr>
           <a:xfrm>
-            <a:off x="457200" y="274638"/>
-            <a:ext cx="6019800" cy="5851525"/>
+            <a:off x="457200" y="205979"/>
+            <a:ext cx="6019800" cy="4388644"/>
           </a:xfrm>
         </p:spPr>
         <p:txBody>
@@ -727,7 +1853,7 @@
           <a:p>
             <a:fld id="{E9CD3BAB-6B44-46E4-B73A-7A5C80B404A6}" type="datetimeFigureOut">
               <a:rPr lang="en-US" smtClean="0"/>
-              <a:t>1/30/2018</a:t>
+              <a:t>1/31/2018</a:t>
             </a:fld>
             <a:endParaRPr lang="en-US"/>
           </a:p>
@@ -775,6 +1901,187 @@
           </a:p>
         </p:txBody>
       </p:sp>
+      <p:grpSp>
+        <p:nvGrpSpPr>
+          <p:cNvPr id="7" name="Groep 6"/>
+          <p:cNvGrpSpPr>
+            <a:grpSpLocks noChangeAspect="1"/>
+          </p:cNvGrpSpPr>
+          <p:nvPr userDrawn="1"/>
+        </p:nvGrpSpPr>
+        <p:grpSpPr>
+          <a:xfrm rot="782843">
+            <a:off x="7460358" y="-374337"/>
+            <a:ext cx="3221275" cy="7249978"/>
+            <a:chOff x="7715589" y="-977768"/>
+            <a:chExt cx="3221275" cy="7249978"/>
+          </a:xfrm>
+        </p:grpSpPr>
+        <p:pic>
+          <p:nvPicPr>
+            <p:cNvPr id="8" name="Picture 3" descr="\\fs-smb-019.ad.naturalis.nl\homedir\Marijn.Boer\Downloads\Fire-Ants.png"/>
+            <p:cNvPicPr>
+              <a:picLocks noChangeAspect="1" noChangeArrowheads="1"/>
+            </p:cNvPicPr>
+            <p:nvPr userDrawn="1"/>
+          </p:nvPicPr>
+          <p:blipFill>
+            <a:blip r:embed="rId2" cstate="print">
+              <a:extLst>
+                <a:ext uri="{28A0092B-C50C-407E-A947-70E740481C1C}">
+                  <a14:useLocalDpi xmlns:a14="http://schemas.microsoft.com/office/drawing/2010/main" val="0"/>
+                </a:ext>
+              </a:extLst>
+            </a:blip>
+            <a:srcRect/>
+            <a:stretch>
+              <a:fillRect/>
+            </a:stretch>
+          </p:blipFill>
+          <p:spPr bwMode="auto">
+            <a:xfrm rot="16747638">
+              <a:off x="8083320" y="-977768"/>
+              <a:ext cx="2447549" cy="2447549"/>
+            </a:xfrm>
+            <a:prstGeom prst="rect">
+              <a:avLst/>
+            </a:prstGeom>
+            <a:noFill/>
+            <a:extLst>
+              <a:ext uri="{909E8E84-426E-40DD-AFC4-6F175D3DCCD1}">
+                <a14:hiddenFill xmlns:a14="http://schemas.microsoft.com/office/drawing/2010/main">
+                  <a:solidFill>
+                    <a:srgbClr val="FFFFFF"/>
+                  </a:solidFill>
+                </a14:hiddenFill>
+              </a:ext>
+            </a:extLst>
+          </p:spPr>
+        </p:pic>
+        <p:pic>
+          <p:nvPicPr>
+            <p:cNvPr id="9" name="Picture 3" descr="\\fs-smb-019.ad.naturalis.nl\homedir\Marijn.Boer\Downloads\Fire-Ants.png"/>
+            <p:cNvPicPr>
+              <a:picLocks noChangeAspect="1" noChangeArrowheads="1"/>
+            </p:cNvPicPr>
+            <p:nvPr userDrawn="1"/>
+          </p:nvPicPr>
+          <p:blipFill>
+            <a:blip r:embed="rId2" cstate="print">
+              <a:extLst>
+                <a:ext uri="{28A0092B-C50C-407E-A947-70E740481C1C}">
+                  <a14:useLocalDpi xmlns:a14="http://schemas.microsoft.com/office/drawing/2010/main" val="0"/>
+                </a:ext>
+              </a:extLst>
+            </a:blip>
+            <a:srcRect/>
+            <a:stretch>
+              <a:fillRect/>
+            </a:stretch>
+          </p:blipFill>
+          <p:spPr bwMode="auto">
+            <a:xfrm rot="17670045">
+              <a:off x="7715589" y="3824661"/>
+              <a:ext cx="2447549" cy="2447549"/>
+            </a:xfrm>
+            <a:prstGeom prst="rect">
+              <a:avLst/>
+            </a:prstGeom>
+            <a:noFill/>
+            <a:extLst>
+              <a:ext uri="{909E8E84-426E-40DD-AFC4-6F175D3DCCD1}">
+                <a14:hiddenFill xmlns:a14="http://schemas.microsoft.com/office/drawing/2010/main">
+                  <a:solidFill>
+                    <a:srgbClr val="FFFFFF"/>
+                  </a:solidFill>
+                </a14:hiddenFill>
+              </a:ext>
+            </a:extLst>
+          </p:spPr>
+        </p:pic>
+        <p:pic>
+          <p:nvPicPr>
+            <p:cNvPr id="10" name="Picture 3" descr="\\fs-smb-019.ad.naturalis.nl\homedir\Marijn.Boer\Downloads\Fire-Ants.png"/>
+            <p:cNvPicPr>
+              <a:picLocks noChangeAspect="1" noChangeArrowheads="1"/>
+            </p:cNvPicPr>
+            <p:nvPr userDrawn="1"/>
+          </p:nvPicPr>
+          <p:blipFill>
+            <a:blip r:embed="rId2" cstate="print">
+              <a:extLst>
+                <a:ext uri="{28A0092B-C50C-407E-A947-70E740481C1C}">
+                  <a14:useLocalDpi xmlns:a14="http://schemas.microsoft.com/office/drawing/2010/main" val="0"/>
+                </a:ext>
+              </a:extLst>
+            </a:blip>
+            <a:srcRect/>
+            <a:stretch>
+              <a:fillRect/>
+            </a:stretch>
+          </p:blipFill>
+          <p:spPr bwMode="auto">
+            <a:xfrm rot="18153466">
+              <a:off x="8489315" y="2342018"/>
+              <a:ext cx="2447549" cy="2447549"/>
+            </a:xfrm>
+            <a:prstGeom prst="rect">
+              <a:avLst/>
+            </a:prstGeom>
+            <a:noFill/>
+            <a:extLst>
+              <a:ext uri="{909E8E84-426E-40DD-AFC4-6F175D3DCCD1}">
+                <a14:hiddenFill xmlns:a14="http://schemas.microsoft.com/office/drawing/2010/main">
+                  <a:solidFill>
+                    <a:srgbClr val="FFFFFF"/>
+                  </a:solidFill>
+                </a14:hiddenFill>
+              </a:ext>
+            </a:extLst>
+          </p:spPr>
+        </p:pic>
+        <p:pic>
+          <p:nvPicPr>
+            <p:cNvPr id="11" name="Picture 3" descr="\\fs-smb-019.ad.naturalis.nl\homedir\Marijn.Boer\Downloads\Fire-Ants.png"/>
+            <p:cNvPicPr>
+              <a:picLocks noChangeAspect="1" noChangeArrowheads="1"/>
+            </p:cNvPicPr>
+            <p:nvPr userDrawn="1"/>
+          </p:nvPicPr>
+          <p:blipFill>
+            <a:blip r:embed="rId2" cstate="print">
+              <a:extLst>
+                <a:ext uri="{28A0092B-C50C-407E-A947-70E740481C1C}">
+                  <a14:useLocalDpi xmlns:a14="http://schemas.microsoft.com/office/drawing/2010/main" val="0"/>
+                </a:ext>
+              </a:extLst>
+            </a:blip>
+            <a:srcRect/>
+            <a:stretch>
+              <a:fillRect/>
+            </a:stretch>
+          </p:blipFill>
+          <p:spPr bwMode="auto">
+            <a:xfrm rot="10438364">
+              <a:off x="8098623" y="656112"/>
+              <a:ext cx="2447549" cy="2447549"/>
+            </a:xfrm>
+            <a:prstGeom prst="rect">
+              <a:avLst/>
+            </a:prstGeom>
+            <a:noFill/>
+            <a:extLst>
+              <a:ext uri="{909E8E84-426E-40DD-AFC4-6F175D3DCCD1}">
+                <a14:hiddenFill xmlns:a14="http://schemas.microsoft.com/office/drawing/2010/main">
+                  <a:solidFill>
+                    <a:srgbClr val="FFFFFF"/>
+                  </a:solidFill>
+                </a14:hiddenFill>
+              </a:ext>
+            </a:extLst>
+          </p:spPr>
+        </p:pic>
+      </p:grpSp>
     </p:spTree>
     <p:extLst>
       <p:ext uri="{BB962C8B-B14F-4D97-AF65-F5344CB8AC3E}">
@@ -785,6 +2092,13 @@
   <p:clrMapOvr>
     <a:masterClrMapping/>
   </p:clrMapOvr>
+  <p:timing>
+    <p:tnLst>
+      <p:par>
+        <p:cTn id="1" dur="indefinite" restart="never" nodeType="tmRoot"/>
+      </p:par>
+    </p:tnLst>
+  </p:timing>
 </p:sldLayout>
 </file>
 
@@ -897,7 +2211,7 @@
           <a:p>
             <a:fld id="{E9CD3BAB-6B44-46E4-B73A-7A5C80B404A6}" type="datetimeFigureOut">
               <a:rPr lang="en-US" smtClean="0"/>
-              <a:t>1/30/2018</a:t>
+              <a:t>1/31/2018</a:t>
             </a:fld>
             <a:endParaRPr lang="en-US"/>
           </a:p>
@@ -945,6 +2259,187 @@
           </a:p>
         </p:txBody>
       </p:sp>
+      <p:grpSp>
+        <p:nvGrpSpPr>
+          <p:cNvPr id="12" name="Groep 11"/>
+          <p:cNvGrpSpPr>
+            <a:grpSpLocks noChangeAspect="1"/>
+          </p:cNvGrpSpPr>
+          <p:nvPr userDrawn="1"/>
+        </p:nvGrpSpPr>
+        <p:grpSpPr>
+          <a:xfrm rot="782843">
+            <a:off x="7460358" y="-374337"/>
+            <a:ext cx="3221275" cy="7249978"/>
+            <a:chOff x="7715589" y="-977768"/>
+            <a:chExt cx="3221275" cy="7249978"/>
+          </a:xfrm>
+        </p:grpSpPr>
+        <p:pic>
+          <p:nvPicPr>
+            <p:cNvPr id="13" name="Picture 3" descr="\\fs-smb-019.ad.naturalis.nl\homedir\Marijn.Boer\Downloads\Fire-Ants.png"/>
+            <p:cNvPicPr>
+              <a:picLocks noChangeAspect="1" noChangeArrowheads="1"/>
+            </p:cNvPicPr>
+            <p:nvPr userDrawn="1"/>
+          </p:nvPicPr>
+          <p:blipFill>
+            <a:blip r:embed="rId2" cstate="print">
+              <a:extLst>
+                <a:ext uri="{28A0092B-C50C-407E-A947-70E740481C1C}">
+                  <a14:useLocalDpi xmlns:a14="http://schemas.microsoft.com/office/drawing/2010/main" val="0"/>
+                </a:ext>
+              </a:extLst>
+            </a:blip>
+            <a:srcRect/>
+            <a:stretch>
+              <a:fillRect/>
+            </a:stretch>
+          </p:blipFill>
+          <p:spPr bwMode="auto">
+            <a:xfrm rot="16747638">
+              <a:off x="8083320" y="-977768"/>
+              <a:ext cx="2447549" cy="2447549"/>
+            </a:xfrm>
+            <a:prstGeom prst="rect">
+              <a:avLst/>
+            </a:prstGeom>
+            <a:noFill/>
+            <a:extLst>
+              <a:ext uri="{909E8E84-426E-40DD-AFC4-6F175D3DCCD1}">
+                <a14:hiddenFill xmlns:a14="http://schemas.microsoft.com/office/drawing/2010/main">
+                  <a:solidFill>
+                    <a:srgbClr val="FFFFFF"/>
+                  </a:solidFill>
+                </a14:hiddenFill>
+              </a:ext>
+            </a:extLst>
+          </p:spPr>
+        </p:pic>
+        <p:pic>
+          <p:nvPicPr>
+            <p:cNvPr id="14" name="Picture 3" descr="\\fs-smb-019.ad.naturalis.nl\homedir\Marijn.Boer\Downloads\Fire-Ants.png"/>
+            <p:cNvPicPr>
+              <a:picLocks noChangeAspect="1" noChangeArrowheads="1"/>
+            </p:cNvPicPr>
+            <p:nvPr userDrawn="1"/>
+          </p:nvPicPr>
+          <p:blipFill>
+            <a:blip r:embed="rId2" cstate="print">
+              <a:extLst>
+                <a:ext uri="{28A0092B-C50C-407E-A947-70E740481C1C}">
+                  <a14:useLocalDpi xmlns:a14="http://schemas.microsoft.com/office/drawing/2010/main" val="0"/>
+                </a:ext>
+              </a:extLst>
+            </a:blip>
+            <a:srcRect/>
+            <a:stretch>
+              <a:fillRect/>
+            </a:stretch>
+          </p:blipFill>
+          <p:spPr bwMode="auto">
+            <a:xfrm rot="17670045">
+              <a:off x="7715589" y="3824661"/>
+              <a:ext cx="2447549" cy="2447549"/>
+            </a:xfrm>
+            <a:prstGeom prst="rect">
+              <a:avLst/>
+            </a:prstGeom>
+            <a:noFill/>
+            <a:extLst>
+              <a:ext uri="{909E8E84-426E-40DD-AFC4-6F175D3DCCD1}">
+                <a14:hiddenFill xmlns:a14="http://schemas.microsoft.com/office/drawing/2010/main">
+                  <a:solidFill>
+                    <a:srgbClr val="FFFFFF"/>
+                  </a:solidFill>
+                </a14:hiddenFill>
+              </a:ext>
+            </a:extLst>
+          </p:spPr>
+        </p:pic>
+        <p:pic>
+          <p:nvPicPr>
+            <p:cNvPr id="15" name="Picture 3" descr="\\fs-smb-019.ad.naturalis.nl\homedir\Marijn.Boer\Downloads\Fire-Ants.png"/>
+            <p:cNvPicPr>
+              <a:picLocks noChangeAspect="1" noChangeArrowheads="1"/>
+            </p:cNvPicPr>
+            <p:nvPr userDrawn="1"/>
+          </p:nvPicPr>
+          <p:blipFill>
+            <a:blip r:embed="rId2" cstate="print">
+              <a:extLst>
+                <a:ext uri="{28A0092B-C50C-407E-A947-70E740481C1C}">
+                  <a14:useLocalDpi xmlns:a14="http://schemas.microsoft.com/office/drawing/2010/main" val="0"/>
+                </a:ext>
+              </a:extLst>
+            </a:blip>
+            <a:srcRect/>
+            <a:stretch>
+              <a:fillRect/>
+            </a:stretch>
+          </p:blipFill>
+          <p:spPr bwMode="auto">
+            <a:xfrm rot="18153466">
+              <a:off x="8489315" y="2342018"/>
+              <a:ext cx="2447549" cy="2447549"/>
+            </a:xfrm>
+            <a:prstGeom prst="rect">
+              <a:avLst/>
+            </a:prstGeom>
+            <a:noFill/>
+            <a:extLst>
+              <a:ext uri="{909E8E84-426E-40DD-AFC4-6F175D3DCCD1}">
+                <a14:hiddenFill xmlns:a14="http://schemas.microsoft.com/office/drawing/2010/main">
+                  <a:solidFill>
+                    <a:srgbClr val="FFFFFF"/>
+                  </a:solidFill>
+                </a14:hiddenFill>
+              </a:ext>
+            </a:extLst>
+          </p:spPr>
+        </p:pic>
+        <p:pic>
+          <p:nvPicPr>
+            <p:cNvPr id="16" name="Picture 3" descr="\\fs-smb-019.ad.naturalis.nl\homedir\Marijn.Boer\Downloads\Fire-Ants.png"/>
+            <p:cNvPicPr>
+              <a:picLocks noChangeAspect="1" noChangeArrowheads="1"/>
+            </p:cNvPicPr>
+            <p:nvPr userDrawn="1"/>
+          </p:nvPicPr>
+          <p:blipFill>
+            <a:blip r:embed="rId2" cstate="print">
+              <a:extLst>
+                <a:ext uri="{28A0092B-C50C-407E-A947-70E740481C1C}">
+                  <a14:useLocalDpi xmlns:a14="http://schemas.microsoft.com/office/drawing/2010/main" val="0"/>
+                </a:ext>
+              </a:extLst>
+            </a:blip>
+            <a:srcRect/>
+            <a:stretch>
+              <a:fillRect/>
+            </a:stretch>
+          </p:blipFill>
+          <p:spPr bwMode="auto">
+            <a:xfrm rot="10438364">
+              <a:off x="8098623" y="656112"/>
+              <a:ext cx="2447549" cy="2447549"/>
+            </a:xfrm>
+            <a:prstGeom prst="rect">
+              <a:avLst/>
+            </a:prstGeom>
+            <a:noFill/>
+            <a:extLst>
+              <a:ext uri="{909E8E84-426E-40DD-AFC4-6F175D3DCCD1}">
+                <a14:hiddenFill xmlns:a14="http://schemas.microsoft.com/office/drawing/2010/main">
+                  <a:solidFill>
+                    <a:srgbClr val="FFFFFF"/>
+                  </a:solidFill>
+                </a14:hiddenFill>
+              </a:ext>
+            </a:extLst>
+          </p:spPr>
+        </p:pic>
+      </p:grpSp>
     </p:spTree>
     <p:extLst>
       <p:ext uri="{BB962C8B-B14F-4D97-AF65-F5344CB8AC3E}">
@@ -955,6 +2450,13 @@
   <p:clrMapOvr>
     <a:masterClrMapping/>
   </p:clrMapOvr>
+  <p:timing>
+    <p:tnLst>
+      <p:par>
+        <p:cTn id="1" dur="indefinite" restart="never" nodeType="tmRoot"/>
+      </p:par>
+    </p:tnLst>
+  </p:timing>
 </p:sldLayout>
 </file>
 
@@ -987,8 +2489,8 @@
         </p:nvSpPr>
         <p:spPr>
           <a:xfrm>
-            <a:off x="722313" y="4406900"/>
-            <a:ext cx="7772400" cy="1362075"/>
+            <a:off x="722313" y="3305176"/>
+            <a:ext cx="7772400" cy="1021556"/>
           </a:xfrm>
         </p:spPr>
         <p:txBody>
@@ -1019,8 +2521,8 @@
         </p:nvSpPr>
         <p:spPr>
           <a:xfrm>
-            <a:off x="722313" y="2906713"/>
-            <a:ext cx="7772400" cy="1500187"/>
+            <a:off x="722313" y="2180035"/>
+            <a:ext cx="7772400" cy="1125140"/>
           </a:xfrm>
         </p:spPr>
         <p:txBody>
@@ -1143,7 +2645,7 @@
           <a:p>
             <a:fld id="{E9CD3BAB-6B44-46E4-B73A-7A5C80B404A6}" type="datetimeFigureOut">
               <a:rPr lang="en-US" smtClean="0"/>
-              <a:t>1/30/2018</a:t>
+              <a:t>1/31/2018</a:t>
             </a:fld>
             <a:endParaRPr lang="en-US"/>
           </a:p>
@@ -1191,6 +2693,187 @@
           </a:p>
         </p:txBody>
       </p:sp>
+      <p:grpSp>
+        <p:nvGrpSpPr>
+          <p:cNvPr id="8" name="Groep 7"/>
+          <p:cNvGrpSpPr>
+            <a:grpSpLocks noChangeAspect="1"/>
+          </p:cNvGrpSpPr>
+          <p:nvPr userDrawn="1"/>
+        </p:nvGrpSpPr>
+        <p:grpSpPr>
+          <a:xfrm rot="782843">
+            <a:off x="7460358" y="-374337"/>
+            <a:ext cx="3221275" cy="7249978"/>
+            <a:chOff x="7715589" y="-977768"/>
+            <a:chExt cx="3221275" cy="7249978"/>
+          </a:xfrm>
+        </p:grpSpPr>
+        <p:pic>
+          <p:nvPicPr>
+            <p:cNvPr id="9" name="Picture 3" descr="\\fs-smb-019.ad.naturalis.nl\homedir\Marijn.Boer\Downloads\Fire-Ants.png"/>
+            <p:cNvPicPr>
+              <a:picLocks noChangeAspect="1" noChangeArrowheads="1"/>
+            </p:cNvPicPr>
+            <p:nvPr userDrawn="1"/>
+          </p:nvPicPr>
+          <p:blipFill>
+            <a:blip r:embed="rId2" cstate="print">
+              <a:extLst>
+                <a:ext uri="{28A0092B-C50C-407E-A947-70E740481C1C}">
+                  <a14:useLocalDpi xmlns:a14="http://schemas.microsoft.com/office/drawing/2010/main" val="0"/>
+                </a:ext>
+              </a:extLst>
+            </a:blip>
+            <a:srcRect/>
+            <a:stretch>
+              <a:fillRect/>
+            </a:stretch>
+          </p:blipFill>
+          <p:spPr bwMode="auto">
+            <a:xfrm rot="16747638">
+              <a:off x="8083320" y="-977768"/>
+              <a:ext cx="2447549" cy="2447549"/>
+            </a:xfrm>
+            <a:prstGeom prst="rect">
+              <a:avLst/>
+            </a:prstGeom>
+            <a:noFill/>
+            <a:extLst>
+              <a:ext uri="{909E8E84-426E-40DD-AFC4-6F175D3DCCD1}">
+                <a14:hiddenFill xmlns:a14="http://schemas.microsoft.com/office/drawing/2010/main">
+                  <a:solidFill>
+                    <a:srgbClr val="FFFFFF"/>
+                  </a:solidFill>
+                </a14:hiddenFill>
+              </a:ext>
+            </a:extLst>
+          </p:spPr>
+        </p:pic>
+        <p:pic>
+          <p:nvPicPr>
+            <p:cNvPr id="10" name="Picture 3" descr="\\fs-smb-019.ad.naturalis.nl\homedir\Marijn.Boer\Downloads\Fire-Ants.png"/>
+            <p:cNvPicPr>
+              <a:picLocks noChangeAspect="1" noChangeArrowheads="1"/>
+            </p:cNvPicPr>
+            <p:nvPr userDrawn="1"/>
+          </p:nvPicPr>
+          <p:blipFill>
+            <a:blip r:embed="rId2" cstate="print">
+              <a:extLst>
+                <a:ext uri="{28A0092B-C50C-407E-A947-70E740481C1C}">
+                  <a14:useLocalDpi xmlns:a14="http://schemas.microsoft.com/office/drawing/2010/main" val="0"/>
+                </a:ext>
+              </a:extLst>
+            </a:blip>
+            <a:srcRect/>
+            <a:stretch>
+              <a:fillRect/>
+            </a:stretch>
+          </p:blipFill>
+          <p:spPr bwMode="auto">
+            <a:xfrm rot="17670045">
+              <a:off x="7715589" y="3824661"/>
+              <a:ext cx="2447549" cy="2447549"/>
+            </a:xfrm>
+            <a:prstGeom prst="rect">
+              <a:avLst/>
+            </a:prstGeom>
+            <a:noFill/>
+            <a:extLst>
+              <a:ext uri="{909E8E84-426E-40DD-AFC4-6F175D3DCCD1}">
+                <a14:hiddenFill xmlns:a14="http://schemas.microsoft.com/office/drawing/2010/main">
+                  <a:solidFill>
+                    <a:srgbClr val="FFFFFF"/>
+                  </a:solidFill>
+                </a14:hiddenFill>
+              </a:ext>
+            </a:extLst>
+          </p:spPr>
+        </p:pic>
+        <p:pic>
+          <p:nvPicPr>
+            <p:cNvPr id="11" name="Picture 3" descr="\\fs-smb-019.ad.naturalis.nl\homedir\Marijn.Boer\Downloads\Fire-Ants.png"/>
+            <p:cNvPicPr>
+              <a:picLocks noChangeAspect="1" noChangeArrowheads="1"/>
+            </p:cNvPicPr>
+            <p:nvPr userDrawn="1"/>
+          </p:nvPicPr>
+          <p:blipFill>
+            <a:blip r:embed="rId2" cstate="print">
+              <a:extLst>
+                <a:ext uri="{28A0092B-C50C-407E-A947-70E740481C1C}">
+                  <a14:useLocalDpi xmlns:a14="http://schemas.microsoft.com/office/drawing/2010/main" val="0"/>
+                </a:ext>
+              </a:extLst>
+            </a:blip>
+            <a:srcRect/>
+            <a:stretch>
+              <a:fillRect/>
+            </a:stretch>
+          </p:blipFill>
+          <p:spPr bwMode="auto">
+            <a:xfrm rot="18153466">
+              <a:off x="8489315" y="2342018"/>
+              <a:ext cx="2447549" cy="2447549"/>
+            </a:xfrm>
+            <a:prstGeom prst="rect">
+              <a:avLst/>
+            </a:prstGeom>
+            <a:noFill/>
+            <a:extLst>
+              <a:ext uri="{909E8E84-426E-40DD-AFC4-6F175D3DCCD1}">
+                <a14:hiddenFill xmlns:a14="http://schemas.microsoft.com/office/drawing/2010/main">
+                  <a:solidFill>
+                    <a:srgbClr val="FFFFFF"/>
+                  </a:solidFill>
+                </a14:hiddenFill>
+              </a:ext>
+            </a:extLst>
+          </p:spPr>
+        </p:pic>
+        <p:pic>
+          <p:nvPicPr>
+            <p:cNvPr id="12" name="Picture 3" descr="\\fs-smb-019.ad.naturalis.nl\homedir\Marijn.Boer\Downloads\Fire-Ants.png"/>
+            <p:cNvPicPr>
+              <a:picLocks noChangeAspect="1" noChangeArrowheads="1"/>
+            </p:cNvPicPr>
+            <p:nvPr userDrawn="1"/>
+          </p:nvPicPr>
+          <p:blipFill>
+            <a:blip r:embed="rId2" cstate="print">
+              <a:extLst>
+                <a:ext uri="{28A0092B-C50C-407E-A947-70E740481C1C}">
+                  <a14:useLocalDpi xmlns:a14="http://schemas.microsoft.com/office/drawing/2010/main" val="0"/>
+                </a:ext>
+              </a:extLst>
+            </a:blip>
+            <a:srcRect/>
+            <a:stretch>
+              <a:fillRect/>
+            </a:stretch>
+          </p:blipFill>
+          <p:spPr bwMode="auto">
+            <a:xfrm rot="10438364">
+              <a:off x="8098623" y="656112"/>
+              <a:ext cx="2447549" cy="2447549"/>
+            </a:xfrm>
+            <a:prstGeom prst="rect">
+              <a:avLst/>
+            </a:prstGeom>
+            <a:noFill/>
+            <a:extLst>
+              <a:ext uri="{909E8E84-426E-40DD-AFC4-6F175D3DCCD1}">
+                <a14:hiddenFill xmlns:a14="http://schemas.microsoft.com/office/drawing/2010/main">
+                  <a:solidFill>
+                    <a:srgbClr val="FFFFFF"/>
+                  </a:solidFill>
+                </a14:hiddenFill>
+              </a:ext>
+            </a:extLst>
+          </p:spPr>
+        </p:pic>
+      </p:grpSp>
     </p:spTree>
     <p:extLst>
       <p:ext uri="{BB962C8B-B14F-4D97-AF65-F5344CB8AC3E}">
@@ -1201,6 +2884,13 @@
   <p:clrMapOvr>
     <a:masterClrMapping/>
   </p:clrMapOvr>
+  <p:timing>
+    <p:tnLst>
+      <p:par>
+        <p:cTn id="1" dur="indefinite" restart="never" nodeType="tmRoot"/>
+      </p:par>
+    </p:tnLst>
+  </p:timing>
 </p:sldLayout>
 </file>
 
@@ -1256,8 +2946,8 @@
         </p:nvSpPr>
         <p:spPr>
           <a:xfrm>
-            <a:off x="457200" y="1600200"/>
-            <a:ext cx="4038600" cy="4525963"/>
+            <a:off x="457200" y="1200151"/>
+            <a:ext cx="4038600" cy="3394472"/>
           </a:xfrm>
         </p:spPr>
         <p:txBody>
@@ -1341,8 +3031,8 @@
         </p:nvSpPr>
         <p:spPr>
           <a:xfrm>
-            <a:off x="4648200" y="1600200"/>
-            <a:ext cx="4038600" cy="4525963"/>
+            <a:off x="4648200" y="1200151"/>
+            <a:ext cx="4038600" cy="3394472"/>
           </a:xfrm>
         </p:spPr>
         <p:txBody>
@@ -1431,7 +3121,7 @@
           <a:p>
             <a:fld id="{E9CD3BAB-6B44-46E4-B73A-7A5C80B404A6}" type="datetimeFigureOut">
               <a:rPr lang="en-US" smtClean="0"/>
-              <a:t>1/30/2018</a:t>
+              <a:t>1/31/2018</a:t>
             </a:fld>
             <a:endParaRPr lang="en-US"/>
           </a:p>
@@ -1479,6 +3169,187 @@
           </a:p>
         </p:txBody>
       </p:sp>
+      <p:grpSp>
+        <p:nvGrpSpPr>
+          <p:cNvPr id="9" name="Groep 8"/>
+          <p:cNvGrpSpPr>
+            <a:grpSpLocks noChangeAspect="1"/>
+          </p:cNvGrpSpPr>
+          <p:nvPr userDrawn="1"/>
+        </p:nvGrpSpPr>
+        <p:grpSpPr>
+          <a:xfrm rot="782843">
+            <a:off x="7460358" y="-374337"/>
+            <a:ext cx="3221275" cy="7249978"/>
+            <a:chOff x="7715589" y="-977768"/>
+            <a:chExt cx="3221275" cy="7249978"/>
+          </a:xfrm>
+        </p:grpSpPr>
+        <p:pic>
+          <p:nvPicPr>
+            <p:cNvPr id="10" name="Picture 3" descr="\\fs-smb-019.ad.naturalis.nl\homedir\Marijn.Boer\Downloads\Fire-Ants.png"/>
+            <p:cNvPicPr>
+              <a:picLocks noChangeAspect="1" noChangeArrowheads="1"/>
+            </p:cNvPicPr>
+            <p:nvPr userDrawn="1"/>
+          </p:nvPicPr>
+          <p:blipFill>
+            <a:blip r:embed="rId2" cstate="print">
+              <a:extLst>
+                <a:ext uri="{28A0092B-C50C-407E-A947-70E740481C1C}">
+                  <a14:useLocalDpi xmlns:a14="http://schemas.microsoft.com/office/drawing/2010/main" val="0"/>
+                </a:ext>
+              </a:extLst>
+            </a:blip>
+            <a:srcRect/>
+            <a:stretch>
+              <a:fillRect/>
+            </a:stretch>
+          </p:blipFill>
+          <p:spPr bwMode="auto">
+            <a:xfrm rot="16747638">
+              <a:off x="8083320" y="-977768"/>
+              <a:ext cx="2447549" cy="2447549"/>
+            </a:xfrm>
+            <a:prstGeom prst="rect">
+              <a:avLst/>
+            </a:prstGeom>
+            <a:noFill/>
+            <a:extLst>
+              <a:ext uri="{909E8E84-426E-40DD-AFC4-6F175D3DCCD1}">
+                <a14:hiddenFill xmlns:a14="http://schemas.microsoft.com/office/drawing/2010/main">
+                  <a:solidFill>
+                    <a:srgbClr val="FFFFFF"/>
+                  </a:solidFill>
+                </a14:hiddenFill>
+              </a:ext>
+            </a:extLst>
+          </p:spPr>
+        </p:pic>
+        <p:pic>
+          <p:nvPicPr>
+            <p:cNvPr id="11" name="Picture 3" descr="\\fs-smb-019.ad.naturalis.nl\homedir\Marijn.Boer\Downloads\Fire-Ants.png"/>
+            <p:cNvPicPr>
+              <a:picLocks noChangeAspect="1" noChangeArrowheads="1"/>
+            </p:cNvPicPr>
+            <p:nvPr userDrawn="1"/>
+          </p:nvPicPr>
+          <p:blipFill>
+            <a:blip r:embed="rId2" cstate="print">
+              <a:extLst>
+                <a:ext uri="{28A0092B-C50C-407E-A947-70E740481C1C}">
+                  <a14:useLocalDpi xmlns:a14="http://schemas.microsoft.com/office/drawing/2010/main" val="0"/>
+                </a:ext>
+              </a:extLst>
+            </a:blip>
+            <a:srcRect/>
+            <a:stretch>
+              <a:fillRect/>
+            </a:stretch>
+          </p:blipFill>
+          <p:spPr bwMode="auto">
+            <a:xfrm rot="17670045">
+              <a:off x="7715589" y="3824661"/>
+              <a:ext cx="2447549" cy="2447549"/>
+            </a:xfrm>
+            <a:prstGeom prst="rect">
+              <a:avLst/>
+            </a:prstGeom>
+            <a:noFill/>
+            <a:extLst>
+              <a:ext uri="{909E8E84-426E-40DD-AFC4-6F175D3DCCD1}">
+                <a14:hiddenFill xmlns:a14="http://schemas.microsoft.com/office/drawing/2010/main">
+                  <a:solidFill>
+                    <a:srgbClr val="FFFFFF"/>
+                  </a:solidFill>
+                </a14:hiddenFill>
+              </a:ext>
+            </a:extLst>
+          </p:spPr>
+        </p:pic>
+        <p:pic>
+          <p:nvPicPr>
+            <p:cNvPr id="12" name="Picture 3" descr="\\fs-smb-019.ad.naturalis.nl\homedir\Marijn.Boer\Downloads\Fire-Ants.png"/>
+            <p:cNvPicPr>
+              <a:picLocks noChangeAspect="1" noChangeArrowheads="1"/>
+            </p:cNvPicPr>
+            <p:nvPr userDrawn="1"/>
+          </p:nvPicPr>
+          <p:blipFill>
+            <a:blip r:embed="rId2" cstate="print">
+              <a:extLst>
+                <a:ext uri="{28A0092B-C50C-407E-A947-70E740481C1C}">
+                  <a14:useLocalDpi xmlns:a14="http://schemas.microsoft.com/office/drawing/2010/main" val="0"/>
+                </a:ext>
+              </a:extLst>
+            </a:blip>
+            <a:srcRect/>
+            <a:stretch>
+              <a:fillRect/>
+            </a:stretch>
+          </p:blipFill>
+          <p:spPr bwMode="auto">
+            <a:xfrm rot="18153466">
+              <a:off x="8489315" y="2342018"/>
+              <a:ext cx="2447549" cy="2447549"/>
+            </a:xfrm>
+            <a:prstGeom prst="rect">
+              <a:avLst/>
+            </a:prstGeom>
+            <a:noFill/>
+            <a:extLst>
+              <a:ext uri="{909E8E84-426E-40DD-AFC4-6F175D3DCCD1}">
+                <a14:hiddenFill xmlns:a14="http://schemas.microsoft.com/office/drawing/2010/main">
+                  <a:solidFill>
+                    <a:srgbClr val="FFFFFF"/>
+                  </a:solidFill>
+                </a14:hiddenFill>
+              </a:ext>
+            </a:extLst>
+          </p:spPr>
+        </p:pic>
+        <p:pic>
+          <p:nvPicPr>
+            <p:cNvPr id="13" name="Picture 3" descr="\\fs-smb-019.ad.naturalis.nl\homedir\Marijn.Boer\Downloads\Fire-Ants.png"/>
+            <p:cNvPicPr>
+              <a:picLocks noChangeAspect="1" noChangeArrowheads="1"/>
+            </p:cNvPicPr>
+            <p:nvPr userDrawn="1"/>
+          </p:nvPicPr>
+          <p:blipFill>
+            <a:blip r:embed="rId2" cstate="print">
+              <a:extLst>
+                <a:ext uri="{28A0092B-C50C-407E-A947-70E740481C1C}">
+                  <a14:useLocalDpi xmlns:a14="http://schemas.microsoft.com/office/drawing/2010/main" val="0"/>
+                </a:ext>
+              </a:extLst>
+            </a:blip>
+            <a:srcRect/>
+            <a:stretch>
+              <a:fillRect/>
+            </a:stretch>
+          </p:blipFill>
+          <p:spPr bwMode="auto">
+            <a:xfrm rot="10438364">
+              <a:off x="8098623" y="656112"/>
+              <a:ext cx="2447549" cy="2447549"/>
+            </a:xfrm>
+            <a:prstGeom prst="rect">
+              <a:avLst/>
+            </a:prstGeom>
+            <a:noFill/>
+            <a:extLst>
+              <a:ext uri="{909E8E84-426E-40DD-AFC4-6F175D3DCCD1}">
+                <a14:hiddenFill xmlns:a14="http://schemas.microsoft.com/office/drawing/2010/main">
+                  <a:solidFill>
+                    <a:srgbClr val="FFFFFF"/>
+                  </a:solidFill>
+                </a14:hiddenFill>
+              </a:ext>
+            </a:extLst>
+          </p:spPr>
+        </p:pic>
+      </p:grpSp>
     </p:spTree>
     <p:extLst>
       <p:ext uri="{BB962C8B-B14F-4D97-AF65-F5344CB8AC3E}">
@@ -1489,6 +3360,13 @@
   <p:clrMapOvr>
     <a:masterClrMapping/>
   </p:clrMapOvr>
+  <p:timing>
+    <p:tnLst>
+      <p:par>
+        <p:cTn id="1" dur="indefinite" restart="never" nodeType="tmRoot"/>
+      </p:par>
+    </p:tnLst>
+  </p:timing>
 </p:sldLayout>
 </file>
 
@@ -1548,8 +3426,8 @@
         </p:nvSpPr>
         <p:spPr>
           <a:xfrm>
-            <a:off x="457200" y="1535113"/>
-            <a:ext cx="4040188" cy="639762"/>
+            <a:off x="457200" y="1151335"/>
+            <a:ext cx="4040188" cy="479822"/>
           </a:xfrm>
         </p:spPr>
         <p:txBody>
@@ -1613,8 +3491,8 @@
         </p:nvSpPr>
         <p:spPr>
           <a:xfrm>
-            <a:off x="457200" y="2174875"/>
-            <a:ext cx="4040188" cy="3951288"/>
+            <a:off x="457200" y="1631156"/>
+            <a:ext cx="4040188" cy="2963466"/>
           </a:xfrm>
         </p:spPr>
         <p:txBody>
@@ -1698,8 +3576,8 @@
         </p:nvSpPr>
         <p:spPr>
           <a:xfrm>
-            <a:off x="4645025" y="1535113"/>
-            <a:ext cx="4041775" cy="639762"/>
+            <a:off x="4645026" y="1151335"/>
+            <a:ext cx="4041775" cy="479822"/>
           </a:xfrm>
         </p:spPr>
         <p:txBody>
@@ -1763,8 +3641,8 @@
         </p:nvSpPr>
         <p:spPr>
           <a:xfrm>
-            <a:off x="4645025" y="2174875"/>
-            <a:ext cx="4041775" cy="3951288"/>
+            <a:off x="4645026" y="1631156"/>
+            <a:ext cx="4041775" cy="2963466"/>
           </a:xfrm>
         </p:spPr>
         <p:txBody>
@@ -1853,7 +3731,7 @@
           <a:p>
             <a:fld id="{E9CD3BAB-6B44-46E4-B73A-7A5C80B404A6}" type="datetimeFigureOut">
               <a:rPr lang="en-US" smtClean="0"/>
-              <a:t>1/30/2018</a:t>
+              <a:t>1/31/2018</a:t>
             </a:fld>
             <a:endParaRPr lang="en-US"/>
           </a:p>
@@ -1901,6 +3779,187 @@
           </a:p>
         </p:txBody>
       </p:sp>
+      <p:grpSp>
+        <p:nvGrpSpPr>
+          <p:cNvPr id="11" name="Groep 10"/>
+          <p:cNvGrpSpPr>
+            <a:grpSpLocks noChangeAspect="1"/>
+          </p:cNvGrpSpPr>
+          <p:nvPr userDrawn="1"/>
+        </p:nvGrpSpPr>
+        <p:grpSpPr>
+          <a:xfrm rot="782843">
+            <a:off x="7460358" y="-374337"/>
+            <a:ext cx="3221275" cy="7249978"/>
+            <a:chOff x="7715589" y="-977768"/>
+            <a:chExt cx="3221275" cy="7249978"/>
+          </a:xfrm>
+        </p:grpSpPr>
+        <p:pic>
+          <p:nvPicPr>
+            <p:cNvPr id="12" name="Picture 3" descr="\\fs-smb-019.ad.naturalis.nl\homedir\Marijn.Boer\Downloads\Fire-Ants.png"/>
+            <p:cNvPicPr>
+              <a:picLocks noChangeAspect="1" noChangeArrowheads="1"/>
+            </p:cNvPicPr>
+            <p:nvPr userDrawn="1"/>
+          </p:nvPicPr>
+          <p:blipFill>
+            <a:blip r:embed="rId2" cstate="print">
+              <a:extLst>
+                <a:ext uri="{28A0092B-C50C-407E-A947-70E740481C1C}">
+                  <a14:useLocalDpi xmlns:a14="http://schemas.microsoft.com/office/drawing/2010/main" val="0"/>
+                </a:ext>
+              </a:extLst>
+            </a:blip>
+            <a:srcRect/>
+            <a:stretch>
+              <a:fillRect/>
+            </a:stretch>
+          </p:blipFill>
+          <p:spPr bwMode="auto">
+            <a:xfrm rot="16747638">
+              <a:off x="8083320" y="-977768"/>
+              <a:ext cx="2447549" cy="2447549"/>
+            </a:xfrm>
+            <a:prstGeom prst="rect">
+              <a:avLst/>
+            </a:prstGeom>
+            <a:noFill/>
+            <a:extLst>
+              <a:ext uri="{909E8E84-426E-40DD-AFC4-6F175D3DCCD1}">
+                <a14:hiddenFill xmlns:a14="http://schemas.microsoft.com/office/drawing/2010/main">
+                  <a:solidFill>
+                    <a:srgbClr val="FFFFFF"/>
+                  </a:solidFill>
+                </a14:hiddenFill>
+              </a:ext>
+            </a:extLst>
+          </p:spPr>
+        </p:pic>
+        <p:pic>
+          <p:nvPicPr>
+            <p:cNvPr id="13" name="Picture 3" descr="\\fs-smb-019.ad.naturalis.nl\homedir\Marijn.Boer\Downloads\Fire-Ants.png"/>
+            <p:cNvPicPr>
+              <a:picLocks noChangeAspect="1" noChangeArrowheads="1"/>
+            </p:cNvPicPr>
+            <p:nvPr userDrawn="1"/>
+          </p:nvPicPr>
+          <p:blipFill>
+            <a:blip r:embed="rId2" cstate="print">
+              <a:extLst>
+                <a:ext uri="{28A0092B-C50C-407E-A947-70E740481C1C}">
+                  <a14:useLocalDpi xmlns:a14="http://schemas.microsoft.com/office/drawing/2010/main" val="0"/>
+                </a:ext>
+              </a:extLst>
+            </a:blip>
+            <a:srcRect/>
+            <a:stretch>
+              <a:fillRect/>
+            </a:stretch>
+          </p:blipFill>
+          <p:spPr bwMode="auto">
+            <a:xfrm rot="17670045">
+              <a:off x="7715589" y="3824661"/>
+              <a:ext cx="2447549" cy="2447549"/>
+            </a:xfrm>
+            <a:prstGeom prst="rect">
+              <a:avLst/>
+            </a:prstGeom>
+            <a:noFill/>
+            <a:extLst>
+              <a:ext uri="{909E8E84-426E-40DD-AFC4-6F175D3DCCD1}">
+                <a14:hiddenFill xmlns:a14="http://schemas.microsoft.com/office/drawing/2010/main">
+                  <a:solidFill>
+                    <a:srgbClr val="FFFFFF"/>
+                  </a:solidFill>
+                </a14:hiddenFill>
+              </a:ext>
+            </a:extLst>
+          </p:spPr>
+        </p:pic>
+        <p:pic>
+          <p:nvPicPr>
+            <p:cNvPr id="14" name="Picture 3" descr="\\fs-smb-019.ad.naturalis.nl\homedir\Marijn.Boer\Downloads\Fire-Ants.png"/>
+            <p:cNvPicPr>
+              <a:picLocks noChangeAspect="1" noChangeArrowheads="1"/>
+            </p:cNvPicPr>
+            <p:nvPr userDrawn="1"/>
+          </p:nvPicPr>
+          <p:blipFill>
+            <a:blip r:embed="rId2" cstate="print">
+              <a:extLst>
+                <a:ext uri="{28A0092B-C50C-407E-A947-70E740481C1C}">
+                  <a14:useLocalDpi xmlns:a14="http://schemas.microsoft.com/office/drawing/2010/main" val="0"/>
+                </a:ext>
+              </a:extLst>
+            </a:blip>
+            <a:srcRect/>
+            <a:stretch>
+              <a:fillRect/>
+            </a:stretch>
+          </p:blipFill>
+          <p:spPr bwMode="auto">
+            <a:xfrm rot="18153466">
+              <a:off x="8489315" y="2342018"/>
+              <a:ext cx="2447549" cy="2447549"/>
+            </a:xfrm>
+            <a:prstGeom prst="rect">
+              <a:avLst/>
+            </a:prstGeom>
+            <a:noFill/>
+            <a:extLst>
+              <a:ext uri="{909E8E84-426E-40DD-AFC4-6F175D3DCCD1}">
+                <a14:hiddenFill xmlns:a14="http://schemas.microsoft.com/office/drawing/2010/main">
+                  <a:solidFill>
+                    <a:srgbClr val="FFFFFF"/>
+                  </a:solidFill>
+                </a14:hiddenFill>
+              </a:ext>
+            </a:extLst>
+          </p:spPr>
+        </p:pic>
+        <p:pic>
+          <p:nvPicPr>
+            <p:cNvPr id="15" name="Picture 3" descr="\\fs-smb-019.ad.naturalis.nl\homedir\Marijn.Boer\Downloads\Fire-Ants.png"/>
+            <p:cNvPicPr>
+              <a:picLocks noChangeAspect="1" noChangeArrowheads="1"/>
+            </p:cNvPicPr>
+            <p:nvPr userDrawn="1"/>
+          </p:nvPicPr>
+          <p:blipFill>
+            <a:blip r:embed="rId2" cstate="print">
+              <a:extLst>
+                <a:ext uri="{28A0092B-C50C-407E-A947-70E740481C1C}">
+                  <a14:useLocalDpi xmlns:a14="http://schemas.microsoft.com/office/drawing/2010/main" val="0"/>
+                </a:ext>
+              </a:extLst>
+            </a:blip>
+            <a:srcRect/>
+            <a:stretch>
+              <a:fillRect/>
+            </a:stretch>
+          </p:blipFill>
+          <p:spPr bwMode="auto">
+            <a:xfrm rot="10438364">
+              <a:off x="8098623" y="656112"/>
+              <a:ext cx="2447549" cy="2447549"/>
+            </a:xfrm>
+            <a:prstGeom prst="rect">
+              <a:avLst/>
+            </a:prstGeom>
+            <a:noFill/>
+            <a:extLst>
+              <a:ext uri="{909E8E84-426E-40DD-AFC4-6F175D3DCCD1}">
+                <a14:hiddenFill xmlns:a14="http://schemas.microsoft.com/office/drawing/2010/main">
+                  <a:solidFill>
+                    <a:srgbClr val="FFFFFF"/>
+                  </a:solidFill>
+                </a14:hiddenFill>
+              </a:ext>
+            </a:extLst>
+          </p:spPr>
+        </p:pic>
+      </p:grpSp>
     </p:spTree>
     <p:extLst>
       <p:ext uri="{BB962C8B-B14F-4D97-AF65-F5344CB8AC3E}">
@@ -1911,6 +3970,13 @@
   <p:clrMapOvr>
     <a:masterClrMapping/>
   </p:clrMapOvr>
+  <p:timing>
+    <p:tnLst>
+      <p:par>
+        <p:cTn id="1" dur="indefinite" restart="never" nodeType="tmRoot"/>
+      </p:par>
+    </p:tnLst>
+  </p:timing>
 </p:sldLayout>
 </file>
 
@@ -1971,7 +4037,7 @@
           <a:p>
             <a:fld id="{E9CD3BAB-6B44-46E4-B73A-7A5C80B404A6}" type="datetimeFigureOut">
               <a:rPr lang="en-US" smtClean="0"/>
-              <a:t>1/30/2018</a:t>
+              <a:t>1/31/2018</a:t>
             </a:fld>
             <a:endParaRPr lang="en-US"/>
           </a:p>
@@ -2019,6 +4085,187 @@
           </a:p>
         </p:txBody>
       </p:sp>
+      <p:grpSp>
+        <p:nvGrpSpPr>
+          <p:cNvPr id="7" name="Groep 6"/>
+          <p:cNvGrpSpPr>
+            <a:grpSpLocks noChangeAspect="1"/>
+          </p:cNvGrpSpPr>
+          <p:nvPr userDrawn="1"/>
+        </p:nvGrpSpPr>
+        <p:grpSpPr>
+          <a:xfrm rot="782843">
+            <a:off x="7460358" y="-374337"/>
+            <a:ext cx="3221275" cy="7249978"/>
+            <a:chOff x="7715589" y="-977768"/>
+            <a:chExt cx="3221275" cy="7249978"/>
+          </a:xfrm>
+        </p:grpSpPr>
+        <p:pic>
+          <p:nvPicPr>
+            <p:cNvPr id="8" name="Picture 3" descr="\\fs-smb-019.ad.naturalis.nl\homedir\Marijn.Boer\Downloads\Fire-Ants.png"/>
+            <p:cNvPicPr>
+              <a:picLocks noChangeAspect="1" noChangeArrowheads="1"/>
+            </p:cNvPicPr>
+            <p:nvPr userDrawn="1"/>
+          </p:nvPicPr>
+          <p:blipFill>
+            <a:blip r:embed="rId2" cstate="print">
+              <a:extLst>
+                <a:ext uri="{28A0092B-C50C-407E-A947-70E740481C1C}">
+                  <a14:useLocalDpi xmlns:a14="http://schemas.microsoft.com/office/drawing/2010/main" val="0"/>
+                </a:ext>
+              </a:extLst>
+            </a:blip>
+            <a:srcRect/>
+            <a:stretch>
+              <a:fillRect/>
+            </a:stretch>
+          </p:blipFill>
+          <p:spPr bwMode="auto">
+            <a:xfrm rot="16747638">
+              <a:off x="8083320" y="-977768"/>
+              <a:ext cx="2447549" cy="2447549"/>
+            </a:xfrm>
+            <a:prstGeom prst="rect">
+              <a:avLst/>
+            </a:prstGeom>
+            <a:noFill/>
+            <a:extLst>
+              <a:ext uri="{909E8E84-426E-40DD-AFC4-6F175D3DCCD1}">
+                <a14:hiddenFill xmlns:a14="http://schemas.microsoft.com/office/drawing/2010/main">
+                  <a:solidFill>
+                    <a:srgbClr val="FFFFFF"/>
+                  </a:solidFill>
+                </a14:hiddenFill>
+              </a:ext>
+            </a:extLst>
+          </p:spPr>
+        </p:pic>
+        <p:pic>
+          <p:nvPicPr>
+            <p:cNvPr id="9" name="Picture 3" descr="\\fs-smb-019.ad.naturalis.nl\homedir\Marijn.Boer\Downloads\Fire-Ants.png"/>
+            <p:cNvPicPr>
+              <a:picLocks noChangeAspect="1" noChangeArrowheads="1"/>
+            </p:cNvPicPr>
+            <p:nvPr userDrawn="1"/>
+          </p:nvPicPr>
+          <p:blipFill>
+            <a:blip r:embed="rId2" cstate="print">
+              <a:extLst>
+                <a:ext uri="{28A0092B-C50C-407E-A947-70E740481C1C}">
+                  <a14:useLocalDpi xmlns:a14="http://schemas.microsoft.com/office/drawing/2010/main" val="0"/>
+                </a:ext>
+              </a:extLst>
+            </a:blip>
+            <a:srcRect/>
+            <a:stretch>
+              <a:fillRect/>
+            </a:stretch>
+          </p:blipFill>
+          <p:spPr bwMode="auto">
+            <a:xfrm rot="17670045">
+              <a:off x="7715589" y="3824661"/>
+              <a:ext cx="2447549" cy="2447549"/>
+            </a:xfrm>
+            <a:prstGeom prst="rect">
+              <a:avLst/>
+            </a:prstGeom>
+            <a:noFill/>
+            <a:extLst>
+              <a:ext uri="{909E8E84-426E-40DD-AFC4-6F175D3DCCD1}">
+                <a14:hiddenFill xmlns:a14="http://schemas.microsoft.com/office/drawing/2010/main">
+                  <a:solidFill>
+                    <a:srgbClr val="FFFFFF"/>
+                  </a:solidFill>
+                </a14:hiddenFill>
+              </a:ext>
+            </a:extLst>
+          </p:spPr>
+        </p:pic>
+        <p:pic>
+          <p:nvPicPr>
+            <p:cNvPr id="10" name="Picture 3" descr="\\fs-smb-019.ad.naturalis.nl\homedir\Marijn.Boer\Downloads\Fire-Ants.png"/>
+            <p:cNvPicPr>
+              <a:picLocks noChangeAspect="1" noChangeArrowheads="1"/>
+            </p:cNvPicPr>
+            <p:nvPr userDrawn="1"/>
+          </p:nvPicPr>
+          <p:blipFill>
+            <a:blip r:embed="rId2" cstate="print">
+              <a:extLst>
+                <a:ext uri="{28A0092B-C50C-407E-A947-70E740481C1C}">
+                  <a14:useLocalDpi xmlns:a14="http://schemas.microsoft.com/office/drawing/2010/main" val="0"/>
+                </a:ext>
+              </a:extLst>
+            </a:blip>
+            <a:srcRect/>
+            <a:stretch>
+              <a:fillRect/>
+            </a:stretch>
+          </p:blipFill>
+          <p:spPr bwMode="auto">
+            <a:xfrm rot="18153466">
+              <a:off x="8489315" y="2342018"/>
+              <a:ext cx="2447549" cy="2447549"/>
+            </a:xfrm>
+            <a:prstGeom prst="rect">
+              <a:avLst/>
+            </a:prstGeom>
+            <a:noFill/>
+            <a:extLst>
+              <a:ext uri="{909E8E84-426E-40DD-AFC4-6F175D3DCCD1}">
+                <a14:hiddenFill xmlns:a14="http://schemas.microsoft.com/office/drawing/2010/main">
+                  <a:solidFill>
+                    <a:srgbClr val="FFFFFF"/>
+                  </a:solidFill>
+                </a14:hiddenFill>
+              </a:ext>
+            </a:extLst>
+          </p:spPr>
+        </p:pic>
+        <p:pic>
+          <p:nvPicPr>
+            <p:cNvPr id="11" name="Picture 3" descr="\\fs-smb-019.ad.naturalis.nl\homedir\Marijn.Boer\Downloads\Fire-Ants.png"/>
+            <p:cNvPicPr>
+              <a:picLocks noChangeAspect="1" noChangeArrowheads="1"/>
+            </p:cNvPicPr>
+            <p:nvPr userDrawn="1"/>
+          </p:nvPicPr>
+          <p:blipFill>
+            <a:blip r:embed="rId2" cstate="print">
+              <a:extLst>
+                <a:ext uri="{28A0092B-C50C-407E-A947-70E740481C1C}">
+                  <a14:useLocalDpi xmlns:a14="http://schemas.microsoft.com/office/drawing/2010/main" val="0"/>
+                </a:ext>
+              </a:extLst>
+            </a:blip>
+            <a:srcRect/>
+            <a:stretch>
+              <a:fillRect/>
+            </a:stretch>
+          </p:blipFill>
+          <p:spPr bwMode="auto">
+            <a:xfrm rot="10438364">
+              <a:off x="8098623" y="656112"/>
+              <a:ext cx="2447549" cy="2447549"/>
+            </a:xfrm>
+            <a:prstGeom prst="rect">
+              <a:avLst/>
+            </a:prstGeom>
+            <a:noFill/>
+            <a:extLst>
+              <a:ext uri="{909E8E84-426E-40DD-AFC4-6F175D3DCCD1}">
+                <a14:hiddenFill xmlns:a14="http://schemas.microsoft.com/office/drawing/2010/main">
+                  <a:solidFill>
+                    <a:srgbClr val="FFFFFF"/>
+                  </a:solidFill>
+                </a14:hiddenFill>
+              </a:ext>
+            </a:extLst>
+          </p:spPr>
+        </p:pic>
+      </p:grpSp>
     </p:spTree>
     <p:extLst>
       <p:ext uri="{BB962C8B-B14F-4D97-AF65-F5344CB8AC3E}">
@@ -2029,6 +4276,13 @@
   <p:clrMapOvr>
     <a:masterClrMapping/>
   </p:clrMapOvr>
+  <p:timing>
+    <p:tnLst>
+      <p:par>
+        <p:cTn id="1" dur="indefinite" restart="never" nodeType="tmRoot"/>
+      </p:par>
+    </p:tnLst>
+  </p:timing>
 </p:sldLayout>
 </file>
 
@@ -2066,7 +4320,7 @@
           <a:p>
             <a:fld id="{E9CD3BAB-6B44-46E4-B73A-7A5C80B404A6}" type="datetimeFigureOut">
               <a:rPr lang="en-US" smtClean="0"/>
-              <a:t>1/30/2018</a:t>
+              <a:t>1/31/2018</a:t>
             </a:fld>
             <a:endParaRPr lang="en-US"/>
           </a:p>
@@ -2114,6 +4368,187 @@
           </a:p>
         </p:txBody>
       </p:sp>
+      <p:grpSp>
+        <p:nvGrpSpPr>
+          <p:cNvPr id="6" name="Groep 5"/>
+          <p:cNvGrpSpPr>
+            <a:grpSpLocks noChangeAspect="1"/>
+          </p:cNvGrpSpPr>
+          <p:nvPr userDrawn="1"/>
+        </p:nvGrpSpPr>
+        <p:grpSpPr>
+          <a:xfrm rot="782843">
+            <a:off x="7460358" y="-374337"/>
+            <a:ext cx="3221275" cy="7249978"/>
+            <a:chOff x="7715589" y="-977768"/>
+            <a:chExt cx="3221275" cy="7249978"/>
+          </a:xfrm>
+        </p:grpSpPr>
+        <p:pic>
+          <p:nvPicPr>
+            <p:cNvPr id="7" name="Picture 3" descr="\\fs-smb-019.ad.naturalis.nl\homedir\Marijn.Boer\Downloads\Fire-Ants.png"/>
+            <p:cNvPicPr>
+              <a:picLocks noChangeAspect="1" noChangeArrowheads="1"/>
+            </p:cNvPicPr>
+            <p:nvPr userDrawn="1"/>
+          </p:nvPicPr>
+          <p:blipFill>
+            <a:blip r:embed="rId2" cstate="print">
+              <a:extLst>
+                <a:ext uri="{28A0092B-C50C-407E-A947-70E740481C1C}">
+                  <a14:useLocalDpi xmlns:a14="http://schemas.microsoft.com/office/drawing/2010/main" val="0"/>
+                </a:ext>
+              </a:extLst>
+            </a:blip>
+            <a:srcRect/>
+            <a:stretch>
+              <a:fillRect/>
+            </a:stretch>
+          </p:blipFill>
+          <p:spPr bwMode="auto">
+            <a:xfrm rot="16747638">
+              <a:off x="8083320" y="-977768"/>
+              <a:ext cx="2447549" cy="2447549"/>
+            </a:xfrm>
+            <a:prstGeom prst="rect">
+              <a:avLst/>
+            </a:prstGeom>
+            <a:noFill/>
+            <a:extLst>
+              <a:ext uri="{909E8E84-426E-40DD-AFC4-6F175D3DCCD1}">
+                <a14:hiddenFill xmlns:a14="http://schemas.microsoft.com/office/drawing/2010/main">
+                  <a:solidFill>
+                    <a:srgbClr val="FFFFFF"/>
+                  </a:solidFill>
+                </a14:hiddenFill>
+              </a:ext>
+            </a:extLst>
+          </p:spPr>
+        </p:pic>
+        <p:pic>
+          <p:nvPicPr>
+            <p:cNvPr id="8" name="Picture 3" descr="\\fs-smb-019.ad.naturalis.nl\homedir\Marijn.Boer\Downloads\Fire-Ants.png"/>
+            <p:cNvPicPr>
+              <a:picLocks noChangeAspect="1" noChangeArrowheads="1"/>
+            </p:cNvPicPr>
+            <p:nvPr userDrawn="1"/>
+          </p:nvPicPr>
+          <p:blipFill>
+            <a:blip r:embed="rId2" cstate="print">
+              <a:extLst>
+                <a:ext uri="{28A0092B-C50C-407E-A947-70E740481C1C}">
+                  <a14:useLocalDpi xmlns:a14="http://schemas.microsoft.com/office/drawing/2010/main" val="0"/>
+                </a:ext>
+              </a:extLst>
+            </a:blip>
+            <a:srcRect/>
+            <a:stretch>
+              <a:fillRect/>
+            </a:stretch>
+          </p:blipFill>
+          <p:spPr bwMode="auto">
+            <a:xfrm rot="17670045">
+              <a:off x="7715589" y="3824661"/>
+              <a:ext cx="2447549" cy="2447549"/>
+            </a:xfrm>
+            <a:prstGeom prst="rect">
+              <a:avLst/>
+            </a:prstGeom>
+            <a:noFill/>
+            <a:extLst>
+              <a:ext uri="{909E8E84-426E-40DD-AFC4-6F175D3DCCD1}">
+                <a14:hiddenFill xmlns:a14="http://schemas.microsoft.com/office/drawing/2010/main">
+                  <a:solidFill>
+                    <a:srgbClr val="FFFFFF"/>
+                  </a:solidFill>
+                </a14:hiddenFill>
+              </a:ext>
+            </a:extLst>
+          </p:spPr>
+        </p:pic>
+        <p:pic>
+          <p:nvPicPr>
+            <p:cNvPr id="9" name="Picture 3" descr="\\fs-smb-019.ad.naturalis.nl\homedir\Marijn.Boer\Downloads\Fire-Ants.png"/>
+            <p:cNvPicPr>
+              <a:picLocks noChangeAspect="1" noChangeArrowheads="1"/>
+            </p:cNvPicPr>
+            <p:nvPr userDrawn="1"/>
+          </p:nvPicPr>
+          <p:blipFill>
+            <a:blip r:embed="rId2" cstate="print">
+              <a:extLst>
+                <a:ext uri="{28A0092B-C50C-407E-A947-70E740481C1C}">
+                  <a14:useLocalDpi xmlns:a14="http://schemas.microsoft.com/office/drawing/2010/main" val="0"/>
+                </a:ext>
+              </a:extLst>
+            </a:blip>
+            <a:srcRect/>
+            <a:stretch>
+              <a:fillRect/>
+            </a:stretch>
+          </p:blipFill>
+          <p:spPr bwMode="auto">
+            <a:xfrm rot="18153466">
+              <a:off x="8489315" y="2342018"/>
+              <a:ext cx="2447549" cy="2447549"/>
+            </a:xfrm>
+            <a:prstGeom prst="rect">
+              <a:avLst/>
+            </a:prstGeom>
+            <a:noFill/>
+            <a:extLst>
+              <a:ext uri="{909E8E84-426E-40DD-AFC4-6F175D3DCCD1}">
+                <a14:hiddenFill xmlns:a14="http://schemas.microsoft.com/office/drawing/2010/main">
+                  <a:solidFill>
+                    <a:srgbClr val="FFFFFF"/>
+                  </a:solidFill>
+                </a14:hiddenFill>
+              </a:ext>
+            </a:extLst>
+          </p:spPr>
+        </p:pic>
+        <p:pic>
+          <p:nvPicPr>
+            <p:cNvPr id="10" name="Picture 3" descr="\\fs-smb-019.ad.naturalis.nl\homedir\Marijn.Boer\Downloads\Fire-Ants.png"/>
+            <p:cNvPicPr>
+              <a:picLocks noChangeAspect="1" noChangeArrowheads="1"/>
+            </p:cNvPicPr>
+            <p:nvPr userDrawn="1"/>
+          </p:nvPicPr>
+          <p:blipFill>
+            <a:blip r:embed="rId2" cstate="print">
+              <a:extLst>
+                <a:ext uri="{28A0092B-C50C-407E-A947-70E740481C1C}">
+                  <a14:useLocalDpi xmlns:a14="http://schemas.microsoft.com/office/drawing/2010/main" val="0"/>
+                </a:ext>
+              </a:extLst>
+            </a:blip>
+            <a:srcRect/>
+            <a:stretch>
+              <a:fillRect/>
+            </a:stretch>
+          </p:blipFill>
+          <p:spPr bwMode="auto">
+            <a:xfrm rot="10438364">
+              <a:off x="8098623" y="656112"/>
+              <a:ext cx="2447549" cy="2447549"/>
+            </a:xfrm>
+            <a:prstGeom prst="rect">
+              <a:avLst/>
+            </a:prstGeom>
+            <a:noFill/>
+            <a:extLst>
+              <a:ext uri="{909E8E84-426E-40DD-AFC4-6F175D3DCCD1}">
+                <a14:hiddenFill xmlns:a14="http://schemas.microsoft.com/office/drawing/2010/main">
+                  <a:solidFill>
+                    <a:srgbClr val="FFFFFF"/>
+                  </a:solidFill>
+                </a14:hiddenFill>
+              </a:ext>
+            </a:extLst>
+          </p:spPr>
+        </p:pic>
+      </p:grpSp>
     </p:spTree>
     <p:extLst>
       <p:ext uri="{BB962C8B-B14F-4D97-AF65-F5344CB8AC3E}">
@@ -2124,6 +4559,13 @@
   <p:clrMapOvr>
     <a:masterClrMapping/>
   </p:clrMapOvr>
+  <p:timing>
+    <p:tnLst>
+      <p:par>
+        <p:cTn id="1" dur="indefinite" restart="never" nodeType="tmRoot"/>
+      </p:par>
+    </p:tnLst>
+  </p:timing>
 </p:sldLayout>
 </file>
 
@@ -2156,8 +4598,8 @@
         </p:nvSpPr>
         <p:spPr>
           <a:xfrm>
-            <a:off x="457200" y="273050"/>
-            <a:ext cx="3008313" cy="1162050"/>
+            <a:off x="457201" y="204787"/>
+            <a:ext cx="3008313" cy="871538"/>
           </a:xfrm>
         </p:spPr>
         <p:txBody>
@@ -2188,8 +4630,8 @@
         </p:nvSpPr>
         <p:spPr>
           <a:xfrm>
-            <a:off x="3575050" y="273050"/>
-            <a:ext cx="5111750" cy="5853113"/>
+            <a:off x="3575050" y="204788"/>
+            <a:ext cx="5111750" cy="4389835"/>
           </a:xfrm>
         </p:spPr>
         <p:txBody>
@@ -2273,8 +4715,8 @@
         </p:nvSpPr>
         <p:spPr>
           <a:xfrm>
-            <a:off x="457200" y="1435100"/>
-            <a:ext cx="3008313" cy="4691063"/>
+            <a:off x="457201" y="1076326"/>
+            <a:ext cx="3008313" cy="3518297"/>
           </a:xfrm>
         </p:spPr>
         <p:txBody>
@@ -2343,7 +4785,7 @@
           <a:p>
             <a:fld id="{E9CD3BAB-6B44-46E4-B73A-7A5C80B404A6}" type="datetimeFigureOut">
               <a:rPr lang="en-US" smtClean="0"/>
-              <a:t>1/30/2018</a:t>
+              <a:t>1/31/2018</a:t>
             </a:fld>
             <a:endParaRPr lang="en-US"/>
           </a:p>
@@ -2391,6 +4833,187 @@
           </a:p>
         </p:txBody>
       </p:sp>
+      <p:grpSp>
+        <p:nvGrpSpPr>
+          <p:cNvPr id="9" name="Groep 8"/>
+          <p:cNvGrpSpPr>
+            <a:grpSpLocks noChangeAspect="1"/>
+          </p:cNvGrpSpPr>
+          <p:nvPr userDrawn="1"/>
+        </p:nvGrpSpPr>
+        <p:grpSpPr>
+          <a:xfrm rot="782843">
+            <a:off x="7460358" y="-374337"/>
+            <a:ext cx="3221275" cy="7249978"/>
+            <a:chOff x="7715589" y="-977768"/>
+            <a:chExt cx="3221275" cy="7249978"/>
+          </a:xfrm>
+        </p:grpSpPr>
+        <p:pic>
+          <p:nvPicPr>
+            <p:cNvPr id="10" name="Picture 3" descr="\\fs-smb-019.ad.naturalis.nl\homedir\Marijn.Boer\Downloads\Fire-Ants.png"/>
+            <p:cNvPicPr>
+              <a:picLocks noChangeAspect="1" noChangeArrowheads="1"/>
+            </p:cNvPicPr>
+            <p:nvPr userDrawn="1"/>
+          </p:nvPicPr>
+          <p:blipFill>
+            <a:blip r:embed="rId2" cstate="print">
+              <a:extLst>
+                <a:ext uri="{28A0092B-C50C-407E-A947-70E740481C1C}">
+                  <a14:useLocalDpi xmlns:a14="http://schemas.microsoft.com/office/drawing/2010/main" val="0"/>
+                </a:ext>
+              </a:extLst>
+            </a:blip>
+            <a:srcRect/>
+            <a:stretch>
+              <a:fillRect/>
+            </a:stretch>
+          </p:blipFill>
+          <p:spPr bwMode="auto">
+            <a:xfrm rot="16747638">
+              <a:off x="8083320" y="-977768"/>
+              <a:ext cx="2447549" cy="2447549"/>
+            </a:xfrm>
+            <a:prstGeom prst="rect">
+              <a:avLst/>
+            </a:prstGeom>
+            <a:noFill/>
+            <a:extLst>
+              <a:ext uri="{909E8E84-426E-40DD-AFC4-6F175D3DCCD1}">
+                <a14:hiddenFill xmlns:a14="http://schemas.microsoft.com/office/drawing/2010/main">
+                  <a:solidFill>
+                    <a:srgbClr val="FFFFFF"/>
+                  </a:solidFill>
+                </a14:hiddenFill>
+              </a:ext>
+            </a:extLst>
+          </p:spPr>
+        </p:pic>
+        <p:pic>
+          <p:nvPicPr>
+            <p:cNvPr id="11" name="Picture 3" descr="\\fs-smb-019.ad.naturalis.nl\homedir\Marijn.Boer\Downloads\Fire-Ants.png"/>
+            <p:cNvPicPr>
+              <a:picLocks noChangeAspect="1" noChangeArrowheads="1"/>
+            </p:cNvPicPr>
+            <p:nvPr userDrawn="1"/>
+          </p:nvPicPr>
+          <p:blipFill>
+            <a:blip r:embed="rId2" cstate="print">
+              <a:extLst>
+                <a:ext uri="{28A0092B-C50C-407E-A947-70E740481C1C}">
+                  <a14:useLocalDpi xmlns:a14="http://schemas.microsoft.com/office/drawing/2010/main" val="0"/>
+                </a:ext>
+              </a:extLst>
+            </a:blip>
+            <a:srcRect/>
+            <a:stretch>
+              <a:fillRect/>
+            </a:stretch>
+          </p:blipFill>
+          <p:spPr bwMode="auto">
+            <a:xfrm rot="17670045">
+              <a:off x="7715589" y="3824661"/>
+              <a:ext cx="2447549" cy="2447549"/>
+            </a:xfrm>
+            <a:prstGeom prst="rect">
+              <a:avLst/>
+            </a:prstGeom>
+            <a:noFill/>
+            <a:extLst>
+              <a:ext uri="{909E8E84-426E-40DD-AFC4-6F175D3DCCD1}">
+                <a14:hiddenFill xmlns:a14="http://schemas.microsoft.com/office/drawing/2010/main">
+                  <a:solidFill>
+                    <a:srgbClr val="FFFFFF"/>
+                  </a:solidFill>
+                </a14:hiddenFill>
+              </a:ext>
+            </a:extLst>
+          </p:spPr>
+        </p:pic>
+        <p:pic>
+          <p:nvPicPr>
+            <p:cNvPr id="12" name="Picture 3" descr="\\fs-smb-019.ad.naturalis.nl\homedir\Marijn.Boer\Downloads\Fire-Ants.png"/>
+            <p:cNvPicPr>
+              <a:picLocks noChangeAspect="1" noChangeArrowheads="1"/>
+            </p:cNvPicPr>
+            <p:nvPr userDrawn="1"/>
+          </p:nvPicPr>
+          <p:blipFill>
+            <a:blip r:embed="rId2" cstate="print">
+              <a:extLst>
+                <a:ext uri="{28A0092B-C50C-407E-A947-70E740481C1C}">
+                  <a14:useLocalDpi xmlns:a14="http://schemas.microsoft.com/office/drawing/2010/main" val="0"/>
+                </a:ext>
+              </a:extLst>
+            </a:blip>
+            <a:srcRect/>
+            <a:stretch>
+              <a:fillRect/>
+            </a:stretch>
+          </p:blipFill>
+          <p:spPr bwMode="auto">
+            <a:xfrm rot="18153466">
+              <a:off x="8489315" y="2342018"/>
+              <a:ext cx="2447549" cy="2447549"/>
+            </a:xfrm>
+            <a:prstGeom prst="rect">
+              <a:avLst/>
+            </a:prstGeom>
+            <a:noFill/>
+            <a:extLst>
+              <a:ext uri="{909E8E84-426E-40DD-AFC4-6F175D3DCCD1}">
+                <a14:hiddenFill xmlns:a14="http://schemas.microsoft.com/office/drawing/2010/main">
+                  <a:solidFill>
+                    <a:srgbClr val="FFFFFF"/>
+                  </a:solidFill>
+                </a14:hiddenFill>
+              </a:ext>
+            </a:extLst>
+          </p:spPr>
+        </p:pic>
+        <p:pic>
+          <p:nvPicPr>
+            <p:cNvPr id="13" name="Picture 3" descr="\\fs-smb-019.ad.naturalis.nl\homedir\Marijn.Boer\Downloads\Fire-Ants.png"/>
+            <p:cNvPicPr>
+              <a:picLocks noChangeAspect="1" noChangeArrowheads="1"/>
+            </p:cNvPicPr>
+            <p:nvPr userDrawn="1"/>
+          </p:nvPicPr>
+          <p:blipFill>
+            <a:blip r:embed="rId2" cstate="print">
+              <a:extLst>
+                <a:ext uri="{28A0092B-C50C-407E-A947-70E740481C1C}">
+                  <a14:useLocalDpi xmlns:a14="http://schemas.microsoft.com/office/drawing/2010/main" val="0"/>
+                </a:ext>
+              </a:extLst>
+            </a:blip>
+            <a:srcRect/>
+            <a:stretch>
+              <a:fillRect/>
+            </a:stretch>
+          </p:blipFill>
+          <p:spPr bwMode="auto">
+            <a:xfrm rot="10438364">
+              <a:off x="8098623" y="656112"/>
+              <a:ext cx="2447549" cy="2447549"/>
+            </a:xfrm>
+            <a:prstGeom prst="rect">
+              <a:avLst/>
+            </a:prstGeom>
+            <a:noFill/>
+            <a:extLst>
+              <a:ext uri="{909E8E84-426E-40DD-AFC4-6F175D3DCCD1}">
+                <a14:hiddenFill xmlns:a14="http://schemas.microsoft.com/office/drawing/2010/main">
+                  <a:solidFill>
+                    <a:srgbClr val="FFFFFF"/>
+                  </a:solidFill>
+                </a14:hiddenFill>
+              </a:ext>
+            </a:extLst>
+          </p:spPr>
+        </p:pic>
+      </p:grpSp>
     </p:spTree>
     <p:extLst>
       <p:ext uri="{BB962C8B-B14F-4D97-AF65-F5344CB8AC3E}">
@@ -2401,6 +5024,13 @@
   <p:clrMapOvr>
     <a:masterClrMapping/>
   </p:clrMapOvr>
+  <p:timing>
+    <p:tnLst>
+      <p:par>
+        <p:cTn id="1" dur="indefinite" restart="never" nodeType="tmRoot"/>
+      </p:par>
+    </p:tnLst>
+  </p:timing>
 </p:sldLayout>
 </file>
 
@@ -2433,8 +5063,8 @@
         </p:nvSpPr>
         <p:spPr>
           <a:xfrm>
-            <a:off x="1792288" y="4800600"/>
-            <a:ext cx="5486400" cy="566738"/>
+            <a:off x="1792288" y="3600450"/>
+            <a:ext cx="5486400" cy="425054"/>
           </a:xfrm>
         </p:spPr>
         <p:txBody>
@@ -2465,8 +5095,8 @@
         </p:nvSpPr>
         <p:spPr>
           <a:xfrm>
-            <a:off x="1792288" y="612775"/>
-            <a:ext cx="5486400" cy="4114800"/>
+            <a:off x="1792288" y="459581"/>
+            <a:ext cx="5486400" cy="3086100"/>
           </a:xfrm>
         </p:spPr>
         <p:txBody>
@@ -2526,8 +5156,8 @@
         </p:nvSpPr>
         <p:spPr>
           <a:xfrm>
-            <a:off x="1792288" y="5367338"/>
-            <a:ext cx="5486400" cy="804862"/>
+            <a:off x="1792288" y="4025503"/>
+            <a:ext cx="5486400" cy="603647"/>
           </a:xfrm>
         </p:spPr>
         <p:txBody>
@@ -2596,7 +5226,7 @@
           <a:p>
             <a:fld id="{E9CD3BAB-6B44-46E4-B73A-7A5C80B404A6}" type="datetimeFigureOut">
               <a:rPr lang="en-US" smtClean="0"/>
-              <a:t>1/30/2018</a:t>
+              <a:t>1/31/2018</a:t>
             </a:fld>
             <a:endParaRPr lang="en-US"/>
           </a:p>
@@ -2644,6 +5274,187 @@
           </a:p>
         </p:txBody>
       </p:sp>
+      <p:grpSp>
+        <p:nvGrpSpPr>
+          <p:cNvPr id="9" name="Groep 8"/>
+          <p:cNvGrpSpPr>
+            <a:grpSpLocks noChangeAspect="1"/>
+          </p:cNvGrpSpPr>
+          <p:nvPr userDrawn="1"/>
+        </p:nvGrpSpPr>
+        <p:grpSpPr>
+          <a:xfrm rot="782843">
+            <a:off x="7460358" y="-374337"/>
+            <a:ext cx="3221275" cy="7249978"/>
+            <a:chOff x="7715589" y="-977768"/>
+            <a:chExt cx="3221275" cy="7249978"/>
+          </a:xfrm>
+        </p:grpSpPr>
+        <p:pic>
+          <p:nvPicPr>
+            <p:cNvPr id="10" name="Picture 3" descr="\\fs-smb-019.ad.naturalis.nl\homedir\Marijn.Boer\Downloads\Fire-Ants.png"/>
+            <p:cNvPicPr>
+              <a:picLocks noChangeAspect="1" noChangeArrowheads="1"/>
+            </p:cNvPicPr>
+            <p:nvPr userDrawn="1"/>
+          </p:nvPicPr>
+          <p:blipFill>
+            <a:blip r:embed="rId2" cstate="print">
+              <a:extLst>
+                <a:ext uri="{28A0092B-C50C-407E-A947-70E740481C1C}">
+                  <a14:useLocalDpi xmlns:a14="http://schemas.microsoft.com/office/drawing/2010/main" val="0"/>
+                </a:ext>
+              </a:extLst>
+            </a:blip>
+            <a:srcRect/>
+            <a:stretch>
+              <a:fillRect/>
+            </a:stretch>
+          </p:blipFill>
+          <p:spPr bwMode="auto">
+            <a:xfrm rot="16747638">
+              <a:off x="8083320" y="-977768"/>
+              <a:ext cx="2447549" cy="2447549"/>
+            </a:xfrm>
+            <a:prstGeom prst="rect">
+              <a:avLst/>
+            </a:prstGeom>
+            <a:noFill/>
+            <a:extLst>
+              <a:ext uri="{909E8E84-426E-40DD-AFC4-6F175D3DCCD1}">
+                <a14:hiddenFill xmlns:a14="http://schemas.microsoft.com/office/drawing/2010/main">
+                  <a:solidFill>
+                    <a:srgbClr val="FFFFFF"/>
+                  </a:solidFill>
+                </a14:hiddenFill>
+              </a:ext>
+            </a:extLst>
+          </p:spPr>
+        </p:pic>
+        <p:pic>
+          <p:nvPicPr>
+            <p:cNvPr id="11" name="Picture 3" descr="\\fs-smb-019.ad.naturalis.nl\homedir\Marijn.Boer\Downloads\Fire-Ants.png"/>
+            <p:cNvPicPr>
+              <a:picLocks noChangeAspect="1" noChangeArrowheads="1"/>
+            </p:cNvPicPr>
+            <p:nvPr userDrawn="1"/>
+          </p:nvPicPr>
+          <p:blipFill>
+            <a:blip r:embed="rId2" cstate="print">
+              <a:extLst>
+                <a:ext uri="{28A0092B-C50C-407E-A947-70E740481C1C}">
+                  <a14:useLocalDpi xmlns:a14="http://schemas.microsoft.com/office/drawing/2010/main" val="0"/>
+                </a:ext>
+              </a:extLst>
+            </a:blip>
+            <a:srcRect/>
+            <a:stretch>
+              <a:fillRect/>
+            </a:stretch>
+          </p:blipFill>
+          <p:spPr bwMode="auto">
+            <a:xfrm rot="17670045">
+              <a:off x="7715589" y="3824661"/>
+              <a:ext cx="2447549" cy="2447549"/>
+            </a:xfrm>
+            <a:prstGeom prst="rect">
+              <a:avLst/>
+            </a:prstGeom>
+            <a:noFill/>
+            <a:extLst>
+              <a:ext uri="{909E8E84-426E-40DD-AFC4-6F175D3DCCD1}">
+                <a14:hiddenFill xmlns:a14="http://schemas.microsoft.com/office/drawing/2010/main">
+                  <a:solidFill>
+                    <a:srgbClr val="FFFFFF"/>
+                  </a:solidFill>
+                </a14:hiddenFill>
+              </a:ext>
+            </a:extLst>
+          </p:spPr>
+        </p:pic>
+        <p:pic>
+          <p:nvPicPr>
+            <p:cNvPr id="12" name="Picture 3" descr="\\fs-smb-019.ad.naturalis.nl\homedir\Marijn.Boer\Downloads\Fire-Ants.png"/>
+            <p:cNvPicPr>
+              <a:picLocks noChangeAspect="1" noChangeArrowheads="1"/>
+            </p:cNvPicPr>
+            <p:nvPr userDrawn="1"/>
+          </p:nvPicPr>
+          <p:blipFill>
+            <a:blip r:embed="rId2" cstate="print">
+              <a:extLst>
+                <a:ext uri="{28A0092B-C50C-407E-A947-70E740481C1C}">
+                  <a14:useLocalDpi xmlns:a14="http://schemas.microsoft.com/office/drawing/2010/main" val="0"/>
+                </a:ext>
+              </a:extLst>
+            </a:blip>
+            <a:srcRect/>
+            <a:stretch>
+              <a:fillRect/>
+            </a:stretch>
+          </p:blipFill>
+          <p:spPr bwMode="auto">
+            <a:xfrm rot="18153466">
+              <a:off x="8489315" y="2342018"/>
+              <a:ext cx="2447549" cy="2447549"/>
+            </a:xfrm>
+            <a:prstGeom prst="rect">
+              <a:avLst/>
+            </a:prstGeom>
+            <a:noFill/>
+            <a:extLst>
+              <a:ext uri="{909E8E84-426E-40DD-AFC4-6F175D3DCCD1}">
+                <a14:hiddenFill xmlns:a14="http://schemas.microsoft.com/office/drawing/2010/main">
+                  <a:solidFill>
+                    <a:srgbClr val="FFFFFF"/>
+                  </a:solidFill>
+                </a14:hiddenFill>
+              </a:ext>
+            </a:extLst>
+          </p:spPr>
+        </p:pic>
+        <p:pic>
+          <p:nvPicPr>
+            <p:cNvPr id="13" name="Picture 3" descr="\\fs-smb-019.ad.naturalis.nl\homedir\Marijn.Boer\Downloads\Fire-Ants.png"/>
+            <p:cNvPicPr>
+              <a:picLocks noChangeAspect="1" noChangeArrowheads="1"/>
+            </p:cNvPicPr>
+            <p:nvPr userDrawn="1"/>
+          </p:nvPicPr>
+          <p:blipFill>
+            <a:blip r:embed="rId2" cstate="print">
+              <a:extLst>
+                <a:ext uri="{28A0092B-C50C-407E-A947-70E740481C1C}">
+                  <a14:useLocalDpi xmlns:a14="http://schemas.microsoft.com/office/drawing/2010/main" val="0"/>
+                </a:ext>
+              </a:extLst>
+            </a:blip>
+            <a:srcRect/>
+            <a:stretch>
+              <a:fillRect/>
+            </a:stretch>
+          </p:blipFill>
+          <p:spPr bwMode="auto">
+            <a:xfrm rot="10438364">
+              <a:off x="8098623" y="656112"/>
+              <a:ext cx="2447549" cy="2447549"/>
+            </a:xfrm>
+            <a:prstGeom prst="rect">
+              <a:avLst/>
+            </a:prstGeom>
+            <a:noFill/>
+            <a:extLst>
+              <a:ext uri="{909E8E84-426E-40DD-AFC4-6F175D3DCCD1}">
+                <a14:hiddenFill xmlns:a14="http://schemas.microsoft.com/office/drawing/2010/main">
+                  <a:solidFill>
+                    <a:srgbClr val="FFFFFF"/>
+                  </a:solidFill>
+                </a14:hiddenFill>
+              </a:ext>
+            </a:extLst>
+          </p:spPr>
+        </p:pic>
+      </p:grpSp>
     </p:spTree>
     <p:extLst>
       <p:ext uri="{BB962C8B-B14F-4D97-AF65-F5344CB8AC3E}">
@@ -2654,6 +5465,13 @@
   <p:clrMapOvr>
     <a:masterClrMapping/>
   </p:clrMapOvr>
+  <p:timing>
+    <p:tnLst>
+      <p:par>
+        <p:cTn id="1" dur="indefinite" restart="never" nodeType="tmRoot"/>
+      </p:par>
+    </p:tnLst>
+  </p:timing>
 </p:sldLayout>
 </file>
 
@@ -2661,9 +5479,19 @@
 <p:sldMaster xmlns:a="http://schemas.openxmlformats.org/drawingml/2006/main" xmlns:r="http://schemas.openxmlformats.org/officeDocument/2006/relationships" xmlns:p="http://schemas.openxmlformats.org/presentationml/2006/main">
   <p:cSld>
     <p:bg>
-      <p:bgRef idx="1001">
-        <a:schemeClr val="bg1"/>
-      </p:bgRef>
+      <p:bgPr>
+        <a:blipFill dpi="0" rotWithShape="1">
+          <a:blip r:embed="rId13">
+            <a:alphaModFix amt="50000"/>
+            <a:lum/>
+          </a:blip>
+          <a:srcRect/>
+          <a:stretch>
+            <a:fillRect t="-9000" b="-9000"/>
+          </a:stretch>
+        </a:blipFill>
+        <a:effectLst/>
+      </p:bgPr>
     </p:bg>
     <p:spTree>
       <p:nvGrpSpPr>
@@ -2691,8 +5519,8 @@
         </p:nvSpPr>
         <p:spPr>
           <a:xfrm>
-            <a:off x="457200" y="274638"/>
-            <a:ext cx="8229600" cy="1143000"/>
+            <a:off x="457200" y="205979"/>
+            <a:ext cx="8229600" cy="857250"/>
           </a:xfrm>
           <a:prstGeom prst="rect">
             <a:avLst/>
@@ -2705,10 +5533,10 @@
           <a:lstStyle/>
           <a:p>
             <a:r>
-              <a:rPr lang="nl-NL" smtClean="0"/>
+              <a:rPr lang="nl-NL" dirty="0" smtClean="0"/>
               <a:t>Klik om de stijl te bewerken</a:t>
             </a:r>
-            <a:endParaRPr lang="en-US"/>
+            <a:endParaRPr lang="en-US" dirty="0"/>
           </a:p>
         </p:txBody>
       </p:sp>
@@ -2724,12 +5552,13 @@
         </p:nvSpPr>
         <p:spPr>
           <a:xfrm>
-            <a:off x="457200" y="1600200"/>
-            <a:ext cx="8229600" cy="4525963"/>
+            <a:off x="457200" y="1200151"/>
+            <a:ext cx="8229600" cy="3394472"/>
           </a:xfrm>
           <a:prstGeom prst="rect">
             <a:avLst/>
           </a:prstGeom>
+          <a:noFill/>
         </p:spPr>
         <p:txBody>
           <a:bodyPr vert="horz" lIns="91440" tIns="45720" rIns="91440" bIns="45720" rtlCol="0">
@@ -2739,38 +5568,38 @@
           <a:p>
             <a:pPr lvl="0"/>
             <a:r>
-              <a:rPr lang="nl-NL" smtClean="0"/>
+              <a:rPr lang="nl-NL" dirty="0" smtClean="0"/>
               <a:t>Klik om de modelstijlen te bewerken</a:t>
             </a:r>
           </a:p>
           <a:p>
             <a:pPr lvl="1"/>
             <a:r>
-              <a:rPr lang="nl-NL" smtClean="0"/>
+              <a:rPr lang="nl-NL" dirty="0" smtClean="0"/>
               <a:t>Tweede niveau</a:t>
             </a:r>
           </a:p>
           <a:p>
             <a:pPr lvl="2"/>
             <a:r>
-              <a:rPr lang="nl-NL" smtClean="0"/>
+              <a:rPr lang="nl-NL" dirty="0" smtClean="0"/>
               <a:t>Derde niveau</a:t>
             </a:r>
           </a:p>
           <a:p>
             <a:pPr lvl="3"/>
             <a:r>
-              <a:rPr lang="nl-NL" smtClean="0"/>
+              <a:rPr lang="nl-NL" dirty="0" smtClean="0"/>
               <a:t>Vierde niveau</a:t>
             </a:r>
           </a:p>
           <a:p>
             <a:pPr lvl="4"/>
             <a:r>
-              <a:rPr lang="nl-NL" smtClean="0"/>
+              <a:rPr lang="nl-NL" dirty="0" smtClean="0"/>
               <a:t>Vijfde niveau</a:t>
             </a:r>
-            <a:endParaRPr lang="en-US"/>
+            <a:endParaRPr lang="en-US" dirty="0"/>
           </a:p>
         </p:txBody>
       </p:sp>
@@ -2786,8 +5615,8 @@
         </p:nvSpPr>
         <p:spPr>
           <a:xfrm>
-            <a:off x="457200" y="6356350"/>
-            <a:ext cx="2133600" cy="365125"/>
+            <a:off x="457200" y="4767263"/>
+            <a:ext cx="2133600" cy="273844"/>
           </a:xfrm>
           <a:prstGeom prst="rect">
             <a:avLst/>
@@ -2809,7 +5638,7 @@
           <a:p>
             <a:fld id="{E9CD3BAB-6B44-46E4-B73A-7A5C80B404A6}" type="datetimeFigureOut">
               <a:rPr lang="en-US" smtClean="0"/>
-              <a:t>1/30/2018</a:t>
+              <a:t>1/31/2018</a:t>
             </a:fld>
             <a:endParaRPr lang="en-US"/>
           </a:p>
@@ -2827,8 +5656,8 @@
         </p:nvSpPr>
         <p:spPr>
           <a:xfrm>
-            <a:off x="3124200" y="6356350"/>
-            <a:ext cx="2895600" cy="365125"/>
+            <a:off x="3124200" y="4767263"/>
+            <a:ext cx="2895600" cy="273844"/>
           </a:xfrm>
           <a:prstGeom prst="rect">
             <a:avLst/>
@@ -2864,8 +5693,8 @@
         </p:nvSpPr>
         <p:spPr>
           <a:xfrm>
-            <a:off x="6553200" y="6356350"/>
-            <a:ext cx="2133600" cy="365125"/>
+            <a:off x="6553200" y="4767263"/>
+            <a:ext cx="2133600" cy="273844"/>
           </a:xfrm>
           <a:prstGeom prst="rect">
             <a:avLst/>
@@ -2889,7 +5718,7 @@
               <a:rPr lang="en-US" smtClean="0"/>
               <a:t>‹nr.›</a:t>
             </a:fld>
-            <a:endParaRPr lang="en-US"/>
+            <a:endParaRPr lang="en-US" dirty="0"/>
           </a:p>
         </p:txBody>
       </p:sp>
@@ -2914,6 +5743,13 @@
     <p:sldLayoutId id="2147483658" r:id="rId10"/>
     <p:sldLayoutId id="2147483659" r:id="rId11"/>
   </p:sldLayoutIdLst>
+  <p:timing>
+    <p:tnLst>
+      <p:par>
+        <p:cTn id="1" dur="indefinite" restart="never" nodeType="tmRoot"/>
+      </p:par>
+    </p:tnLst>
+  </p:timing>
   <p:txStyles>
     <p:titleStyle>
       <a:lvl1pPr algn="ctr" defTabSz="914400" rtl="0" eaLnBrk="1" latinLnBrk="0" hangingPunct="1">
@@ -2923,7 +5759,9 @@
         <a:buNone/>
         <a:defRPr sz="4400" kern="1200">
           <a:solidFill>
-            <a:schemeClr val="tx1"/>
+            <a:schemeClr val="bg1">
+              <a:lumMod val="95000"/>
+            </a:schemeClr>
           </a:solidFill>
           <a:latin typeface="+mj-lt"/>
           <a:ea typeface="+mj-ea"/>
@@ -2940,7 +5778,9 @@
         <a:buChar char="•"/>
         <a:defRPr sz="3200" kern="1200">
           <a:solidFill>
-            <a:schemeClr val="tx1"/>
+            <a:schemeClr val="bg1">
+              <a:lumMod val="95000"/>
+            </a:schemeClr>
           </a:solidFill>
           <a:latin typeface="+mn-lt"/>
           <a:ea typeface="+mn-ea"/>
@@ -2955,7 +5795,9 @@
         <a:buChar char="–"/>
         <a:defRPr sz="2800" kern="1200">
           <a:solidFill>
-            <a:schemeClr val="tx1"/>
+            <a:schemeClr val="bg1">
+              <a:lumMod val="95000"/>
+            </a:schemeClr>
           </a:solidFill>
           <a:latin typeface="+mn-lt"/>
           <a:ea typeface="+mn-ea"/>
@@ -2970,7 +5812,9 @@
         <a:buChar char="•"/>
         <a:defRPr sz="2400" kern="1200">
           <a:solidFill>
-            <a:schemeClr val="tx1"/>
+            <a:schemeClr val="bg1">
+              <a:lumMod val="95000"/>
+            </a:schemeClr>
           </a:solidFill>
           <a:latin typeface="+mn-lt"/>
           <a:ea typeface="+mn-ea"/>
@@ -2985,7 +5829,9 @@
         <a:buChar char="–"/>
         <a:defRPr sz="2000" kern="1200">
           <a:solidFill>
-            <a:schemeClr val="tx1"/>
+            <a:schemeClr val="bg1">
+              <a:lumMod val="95000"/>
+            </a:schemeClr>
           </a:solidFill>
           <a:latin typeface="+mn-lt"/>
           <a:ea typeface="+mn-ea"/>
@@ -3000,7 +5846,9 @@
         <a:buChar char="»"/>
         <a:defRPr sz="2000" kern="1200">
           <a:solidFill>
-            <a:schemeClr val="tx1"/>
+            <a:schemeClr val="bg1">
+              <a:lumMod val="95000"/>
+            </a:schemeClr>
           </a:solidFill>
           <a:latin typeface="+mn-lt"/>
           <a:ea typeface="+mn-ea"/>
@@ -3197,20 +6045,20 @@
         <p:spPr/>
         <p:txBody>
           <a:bodyPr>
-            <a:normAutofit fontScale="90000"/>
+            <a:noAutofit/>
           </a:bodyPr>
           <a:lstStyle/>
           <a:p>
             <a:r>
-              <a:rPr lang="en-US" dirty="0"/>
+              <a:rPr lang="en-US" sz="3200" dirty="0"/>
               <a:t>Taxonomic classification of ants (</a:t>
             </a:r>
             <a:r>
-              <a:rPr lang="en-US" dirty="0" err="1"/>
+              <a:rPr lang="en-US" sz="3200" dirty="0" err="1"/>
               <a:t>Formicidae</a:t>
             </a:r>
             <a:r>
-              <a:rPr lang="en-US" dirty="0"/>
+              <a:rPr lang="en-US" sz="3200" dirty="0"/>
               <a:t>) from images using deep learning</a:t>
             </a:r>
           </a:p>
@@ -3226,12 +6074,93 @@
             <p:ph type="subTitle" idx="1"/>
           </p:nvPr>
         </p:nvSpPr>
-        <p:spPr/>
-        <p:txBody>
-          <a:bodyPr/>
+        <p:spPr>
+          <a:xfrm>
+            <a:off x="1371600" y="3413542"/>
+            <a:ext cx="6400800" cy="815558"/>
+          </a:xfrm>
+        </p:spPr>
+        <p:txBody>
+          <a:bodyPr numCol="2">
+            <a:noAutofit/>
+          </a:bodyPr>
           <a:lstStyle/>
           <a:p>
-            <a:endParaRPr lang="en-US" dirty="0"/>
+            <a:r>
+              <a:rPr lang="nl-NL" sz="2000" dirty="0" smtClean="0">
+                <a:solidFill>
+                  <a:schemeClr val="bg1"/>
+                </a:solidFill>
+              </a:rPr>
+              <a:t>Marijn JA Boer</a:t>
+            </a:r>
+          </a:p>
+          <a:p>
+            <a:r>
+              <a:rPr lang="nl-NL" sz="2000" dirty="0" smtClean="0">
+                <a:solidFill>
+                  <a:schemeClr val="bg1"/>
+                </a:solidFill>
+              </a:rPr>
+              <a:t>marijn</a:t>
+            </a:r>
+            <a:r>
+              <a:rPr lang="nl-NL" sz="2000" dirty="0" smtClean="0">
+                <a:solidFill>
+                  <a:schemeClr val="bg1"/>
+                </a:solidFill>
+              </a:rPr>
+              <a:t>.boer@naturalis.nl</a:t>
+            </a:r>
+          </a:p>
+          <a:p>
+            <a:r>
+              <a:rPr lang="nl-NL" sz="2000" dirty="0" err="1" smtClean="0">
+                <a:solidFill>
+                  <a:schemeClr val="bg1"/>
+                </a:solidFill>
+              </a:rPr>
+              <a:t>February</a:t>
+            </a:r>
+            <a:r>
+              <a:rPr lang="nl-NL" sz="2000" dirty="0" smtClean="0">
+                <a:solidFill>
+                  <a:schemeClr val="bg1"/>
+                </a:solidFill>
+              </a:rPr>
+              <a:t> 6</a:t>
+            </a:r>
+            <a:r>
+              <a:rPr lang="en-US" sz="2000" i="1" baseline="30000" dirty="0" err="1">
+                <a:solidFill>
+                  <a:schemeClr val="bg1"/>
+                </a:solidFill>
+              </a:rPr>
+              <a:t>th</a:t>
+            </a:r>
+            <a:r>
+              <a:rPr lang="nl-NL" sz="2000" dirty="0" smtClean="0">
+                <a:solidFill>
+                  <a:schemeClr val="bg1"/>
+                </a:solidFill>
+              </a:rPr>
+              <a:t>, 2018</a:t>
+            </a:r>
+          </a:p>
+          <a:p>
+            <a:r>
+              <a:rPr lang="nl-NL" sz="2000" dirty="0" smtClean="0">
+                <a:solidFill>
+                  <a:schemeClr val="bg1"/>
+                </a:solidFill>
+              </a:rPr>
+              <a:t>Supervisor: dr. Rutger Vos</a:t>
+            </a:r>
+            <a:endParaRPr lang="en-US" sz="2000" dirty="0">
+              <a:solidFill>
+                <a:schemeClr val="bg1"/>
+              </a:solidFill>
+            </a:endParaRPr>
           </a:p>
         </p:txBody>
       </p:sp>
@@ -3245,6 +6174,13 @@
   <p:clrMapOvr>
     <a:masterClrMapping/>
   </p:clrMapOvr>
+  <p:timing>
+    <p:tnLst>
+      <p:par>
+        <p:cTn id="1" dur="indefinite" restart="never" nodeType="tmRoot"/>
+      </p:par>
+    </p:tnLst>
+  </p:timing>
 </p:sld>
 </file>
 
@@ -3317,6 +6253,13 @@
   <p:clrMapOvr>
     <a:masterClrMapping/>
   </p:clrMapOvr>
+  <p:timing>
+    <p:tnLst>
+      <p:par>
+        <p:cTn id="1" dur="indefinite" restart="never" nodeType="tmRoot"/>
+      </p:par>
+    </p:tnLst>
+  </p:timing>
 </p:sld>
 </file>
 
@@ -3389,6 +6332,13 @@
   <p:clrMapOvr>
     <a:masterClrMapping/>
   </p:clrMapOvr>
+  <p:timing>
+    <p:tnLst>
+      <p:par>
+        <p:cTn id="1" dur="indefinite" restart="never" nodeType="tmRoot"/>
+      </p:par>
+    </p:tnLst>
+  </p:timing>
 </p:sld>
 </file>
 
@@ -3496,6 +6446,13 @@
   <p:clrMapOvr>
     <a:masterClrMapping/>
   </p:clrMapOvr>
+  <p:timing>
+    <p:tnLst>
+      <p:par>
+        <p:cTn id="1" dur="indefinite" restart="never" nodeType="tmRoot"/>
+      </p:par>
+    </p:tnLst>
+  </p:timing>
 </p:sld>
 </file>
 
@@ -3558,6 +6515,47 @@
           </a:p>
         </p:txBody>
       </p:sp>
+      <p:pic>
+        <p:nvPicPr>
+          <p:cNvPr id="8195" name="Picture 3" descr="\\fs-smb-019.ad.naturalis.nl\homedir\Marijn.Boer\Internships\Internship CNN 2017-2018\FormicID\docs\proposal\Images\a_australis.png"/>
+          <p:cNvPicPr>
+            <a:picLocks noChangeAspect="1" noChangeArrowheads="1"/>
+          </p:cNvPicPr>
+          <p:nvPr/>
+        </p:nvPicPr>
+        <p:blipFill>
+          <a:blip r:embed="rId2">
+            <a:extLst>
+              <a:ext uri="{28A0092B-C50C-407E-A947-70E740481C1C}">
+                <a14:useLocalDpi xmlns:a14="http://schemas.microsoft.com/office/drawing/2010/main" val="0"/>
+              </a:ext>
+            </a:extLst>
+          </a:blip>
+          <a:srcRect/>
+          <a:stretch>
+            <a:fillRect/>
+          </a:stretch>
+        </p:blipFill>
+        <p:spPr bwMode="auto">
+          <a:xfrm>
+            <a:off x="483296" y="3954694"/>
+            <a:ext cx="3314700" cy="660400"/>
+          </a:xfrm>
+          <a:prstGeom prst="rect">
+            <a:avLst/>
+          </a:prstGeom>
+          <a:noFill/>
+          <a:extLst>
+            <a:ext uri="{909E8E84-426E-40DD-AFC4-6F175D3DCCD1}">
+              <a14:hiddenFill xmlns:a14="http://schemas.microsoft.com/office/drawing/2010/main">
+                <a:solidFill>
+                  <a:srgbClr val="FFFFFF"/>
+                </a:solidFill>
+              </a14:hiddenFill>
+            </a:ext>
+          </a:extLst>
+        </p:spPr>
+      </p:pic>
     </p:spTree>
     <p:extLst>
       <p:ext uri="{BB962C8B-B14F-4D97-AF65-F5344CB8AC3E}">
@@ -3568,6 +6566,13 @@
   <p:clrMapOvr>
     <a:masterClrMapping/>
   </p:clrMapOvr>
+  <p:timing>
+    <p:tnLst>
+      <p:par>
+        <p:cTn id="1" dur="indefinite" restart="never" nodeType="tmRoot"/>
+      </p:par>
+    </p:tnLst>
+  </p:timing>
 </p:sld>
 </file>
 
@@ -3649,6 +6654,13 @@
   <p:clrMapOvr>
     <a:masterClrMapping/>
   </p:clrMapOvr>
+  <p:timing>
+    <p:tnLst>
+      <p:par>
+        <p:cTn id="1" dur="indefinite" restart="never" nodeType="tmRoot"/>
+      </p:par>
+    </p:tnLst>
+  </p:timing>
 </p:sld>
 </file>
 
@@ -3698,12 +6710,12 @@
       </p:sp>
       <p:sp>
         <p:nvSpPr>
-          <p:cNvPr id="3" name="Tijdelijke aanduiding voor inhoud 2"/>
-          <p:cNvSpPr>
-            <a:spLocks noGrp="1"/>
-          </p:cNvSpPr>
-          <p:nvPr>
-            <p:ph idx="1"/>
+          <p:cNvPr id="4" name="Tijdelijke aanduiding voor tekst 3"/>
+          <p:cNvSpPr>
+            <a:spLocks noGrp="1"/>
+          </p:cNvSpPr>
+          <p:nvPr>
+            <p:ph type="body" sz="half" idx="2"/>
           </p:nvPr>
         </p:nvSpPr>
         <p:spPr/>
@@ -3711,7 +6723,79 @@
           <a:bodyPr/>
           <a:lstStyle/>
           <a:p>
-            <a:endParaRPr lang="en-US"/>
+            <a:r>
+              <a:rPr lang="nl-NL" dirty="0" smtClean="0"/>
+              <a:t>Switch </a:t>
+            </a:r>
+            <a:r>
+              <a:rPr lang="nl-NL" dirty="0" err="1" smtClean="0"/>
+              <a:t>axis</a:t>
+            </a:r>
+            <a:r>
+              <a:rPr lang="nl-NL" dirty="0" smtClean="0"/>
+              <a:t>!</a:t>
+            </a:r>
+            <a:endParaRPr lang="en-US" dirty="0"/>
+          </a:p>
+        </p:txBody>
+      </p:sp>
+      <p:pic>
+        <p:nvPicPr>
+          <p:cNvPr id="7170" name="Picture 2" descr="\\fs-smb-019.ad.naturalis.nl\homedir\Marijn.Boer\Internships\Internship CNN 2017-2018\FormicID\docs\proposal\Images\Image-species_distribution-1.png"/>
+          <p:cNvPicPr>
+            <a:picLocks noChangeAspect="1" noChangeArrowheads="1"/>
+          </p:cNvPicPr>
+          <p:nvPr/>
+        </p:nvPicPr>
+        <p:blipFill>
+          <a:blip r:embed="rId2">
+            <a:extLst>
+              <a:ext uri="{28A0092B-C50C-407E-A947-70E740481C1C}">
+                <a14:useLocalDpi xmlns:a14="http://schemas.microsoft.com/office/drawing/2010/main" val="0"/>
+              </a:ext>
+            </a:extLst>
+          </a:blip>
+          <a:srcRect/>
+          <a:stretch>
+            <a:fillRect/>
+          </a:stretch>
+        </p:blipFill>
+        <p:spPr bwMode="auto">
+          <a:xfrm>
+            <a:off x="5139434" y="-2686"/>
+            <a:ext cx="4002587" cy="5146185"/>
+          </a:xfrm>
+          <a:prstGeom prst="rect">
+            <a:avLst/>
+          </a:prstGeom>
+          <a:noFill/>
+          <a:extLst>
+            <a:ext uri="{909E8E84-426E-40DD-AFC4-6F175D3DCCD1}">
+              <a14:hiddenFill xmlns:a14="http://schemas.microsoft.com/office/drawing/2010/main">
+                <a:solidFill>
+                  <a:srgbClr val="FFFFFF"/>
+                </a:solidFill>
+              </a14:hiddenFill>
+            </a:ext>
+          </a:extLst>
+        </p:spPr>
+      </p:pic>
+      <p:sp>
+        <p:nvSpPr>
+          <p:cNvPr id="5" name="Tijdelijke aanduiding voor inhoud 4"/>
+          <p:cNvSpPr>
+            <a:spLocks noGrp="1"/>
+          </p:cNvSpPr>
+          <p:nvPr>
+            <p:ph idx="1"/>
+          </p:nvPr>
+        </p:nvSpPr>
+        <p:spPr/>
+        <p:txBody>
+          <a:bodyPr/>
+          <a:lstStyle/>
+          <a:p>
+            <a:endParaRPr lang="en-US" dirty="0"/>
           </a:p>
         </p:txBody>
       </p:sp>
@@ -3725,6 +6809,13 @@
   <p:clrMapOvr>
     <a:masterClrMapping/>
   </p:clrMapOvr>
+  <p:timing>
+    <p:tnLst>
+      <p:par>
+        <p:cTn id="1" dur="indefinite" restart="never" nodeType="tmRoot"/>
+      </p:par>
+    </p:tnLst>
+  </p:timing>
 </p:sld>
 </file>
 
@@ -3755,7 +6846,12 @@
             <p:ph type="title"/>
           </p:nvPr>
         </p:nvSpPr>
-        <p:spPr/>
+        <p:spPr>
+          <a:xfrm>
+            <a:off x="457201" y="204787"/>
+            <a:ext cx="2310959" cy="871538"/>
+          </a:xfrm>
+        </p:spPr>
         <p:txBody>
           <a:bodyPr/>
           <a:lstStyle/>
@@ -3774,7 +6870,7 @@
       </p:sp>
       <p:sp>
         <p:nvSpPr>
-          <p:cNvPr id="3" name="Tijdelijke aanduiding voor inhoud 2"/>
+          <p:cNvPr id="4" name="Tijdelijke aanduiding voor inhoud 3"/>
           <p:cNvSpPr>
             <a:spLocks noGrp="1"/>
           </p:cNvSpPr>
@@ -3791,6 +6887,71 @@
           </a:p>
         </p:txBody>
       </p:sp>
+      <p:sp>
+        <p:nvSpPr>
+          <p:cNvPr id="5" name="Tijdelijke aanduiding voor tekst 4"/>
+          <p:cNvSpPr>
+            <a:spLocks noGrp="1"/>
+          </p:cNvSpPr>
+          <p:nvPr>
+            <p:ph type="body" sz="half" idx="2"/>
+          </p:nvPr>
+        </p:nvSpPr>
+        <p:spPr>
+          <a:xfrm>
+            <a:off x="457201" y="1076326"/>
+            <a:ext cx="2310959" cy="3518297"/>
+          </a:xfrm>
+        </p:spPr>
+        <p:txBody>
+          <a:bodyPr/>
+          <a:lstStyle/>
+          <a:p>
+            <a:endParaRPr lang="en-US" dirty="0"/>
+          </a:p>
+        </p:txBody>
+      </p:sp>
+      <p:pic>
+        <p:nvPicPr>
+          <p:cNvPr id="6146" name="Picture 2" descr="\\fs-smb-019.ad.naturalis.nl\homedir\Marijn.Boer\Internships\Internship CNN 2017-2018\FormicID\docs\proposal\Images\Shot_type_plot-1.png"/>
+          <p:cNvPicPr>
+            <a:picLocks noChangeAspect="1" noChangeArrowheads="1"/>
+          </p:cNvPicPr>
+          <p:nvPr/>
+        </p:nvPicPr>
+        <p:blipFill>
+          <a:blip r:embed="rId2">
+            <a:extLst>
+              <a:ext uri="{28A0092B-C50C-407E-A947-70E740481C1C}">
+                <a14:useLocalDpi xmlns:a14="http://schemas.microsoft.com/office/drawing/2010/main" val="0"/>
+              </a:ext>
+            </a:extLst>
+          </a:blip>
+          <a:srcRect/>
+          <a:stretch>
+            <a:fillRect/>
+          </a:stretch>
+        </p:blipFill>
+        <p:spPr bwMode="auto">
+          <a:xfrm>
+            <a:off x="3128928" y="-12275"/>
+            <a:ext cx="6015072" cy="5155776"/>
+          </a:xfrm>
+          <a:prstGeom prst="rect">
+            <a:avLst/>
+          </a:prstGeom>
+          <a:noFill/>
+          <a:extLst>
+            <a:ext uri="{909E8E84-426E-40DD-AFC4-6F175D3DCCD1}">
+              <a14:hiddenFill xmlns:a14="http://schemas.microsoft.com/office/drawing/2010/main">
+                <a:solidFill>
+                  <a:srgbClr val="FFFFFF"/>
+                </a:solidFill>
+              </a14:hiddenFill>
+            </a:ext>
+          </a:extLst>
+        </p:spPr>
+      </p:pic>
     </p:spTree>
     <p:extLst>
       <p:ext uri="{BB962C8B-B14F-4D97-AF65-F5344CB8AC3E}">
@@ -3801,6 +6962,13 @@
   <p:clrMapOvr>
     <a:masterClrMapping/>
   </p:clrMapOvr>
+  <p:timing>
+    <p:tnLst>
+      <p:par>
+        <p:cTn id="1" dur="indefinite" restart="never" nodeType="tmRoot"/>
+      </p:par>
+    </p:tnLst>
+  </p:timing>
 </p:sld>
 </file>
 
@@ -3831,7 +6999,12 @@
             <p:ph type="title"/>
           </p:nvPr>
         </p:nvSpPr>
-        <p:spPr/>
+        <p:spPr>
+          <a:xfrm>
+            <a:off x="457201" y="204787"/>
+            <a:ext cx="2310959" cy="871538"/>
+          </a:xfrm>
+        </p:spPr>
         <p:txBody>
           <a:bodyPr/>
           <a:lstStyle/>
@@ -3850,7 +7023,7 @@
       </p:sp>
       <p:sp>
         <p:nvSpPr>
-          <p:cNvPr id="3" name="Tijdelijke aanduiding voor inhoud 2"/>
+          <p:cNvPr id="4" name="Tijdelijke aanduiding voor inhoud 3"/>
           <p:cNvSpPr>
             <a:spLocks noGrp="1"/>
           </p:cNvSpPr>
@@ -3867,6 +7040,71 @@
           </a:p>
         </p:txBody>
       </p:sp>
+      <p:sp>
+        <p:nvSpPr>
+          <p:cNvPr id="5" name="Tijdelijke aanduiding voor tekst 4"/>
+          <p:cNvSpPr>
+            <a:spLocks noGrp="1"/>
+          </p:cNvSpPr>
+          <p:nvPr>
+            <p:ph type="body" sz="half" idx="2"/>
+          </p:nvPr>
+        </p:nvSpPr>
+        <p:spPr>
+          <a:xfrm>
+            <a:off x="457201" y="1076326"/>
+            <a:ext cx="2310959" cy="3518297"/>
+          </a:xfrm>
+        </p:spPr>
+        <p:txBody>
+          <a:bodyPr/>
+          <a:lstStyle/>
+          <a:p>
+            <a:endParaRPr lang="en-US" dirty="0"/>
+          </a:p>
+        </p:txBody>
+      </p:sp>
+      <p:pic>
+        <p:nvPicPr>
+          <p:cNvPr id="5122" name="Picture 2" descr="\\fs-smb-019.ad.naturalis.nl\homedir\Marijn.Boer\Internships\Internship CNN 2017-2018\FormicID\docs\proposal\Images\Image_dimensions_-_Plotting-1.png"/>
+          <p:cNvPicPr>
+            <a:picLocks noChangeAspect="1" noChangeArrowheads="1"/>
+          </p:cNvPicPr>
+          <p:nvPr/>
+        </p:nvPicPr>
+        <p:blipFill>
+          <a:blip r:embed="rId2">
+            <a:extLst>
+              <a:ext uri="{28A0092B-C50C-407E-A947-70E740481C1C}">
+                <a14:useLocalDpi xmlns:a14="http://schemas.microsoft.com/office/drawing/2010/main" val="0"/>
+              </a:ext>
+            </a:extLst>
+          </a:blip>
+          <a:srcRect/>
+          <a:stretch>
+            <a:fillRect/>
+          </a:stretch>
+        </p:blipFill>
+        <p:spPr bwMode="auto">
+          <a:xfrm>
+            <a:off x="3143251" y="0"/>
+            <a:ext cx="6000749" cy="5143500"/>
+          </a:xfrm>
+          <a:prstGeom prst="rect">
+            <a:avLst/>
+          </a:prstGeom>
+          <a:noFill/>
+          <a:extLst>
+            <a:ext uri="{909E8E84-426E-40DD-AFC4-6F175D3DCCD1}">
+              <a14:hiddenFill xmlns:a14="http://schemas.microsoft.com/office/drawing/2010/main">
+                <a:solidFill>
+                  <a:srgbClr val="FFFFFF"/>
+                </a:solidFill>
+              </a14:hiddenFill>
+            </a:ext>
+          </a:extLst>
+        </p:spPr>
+      </p:pic>
     </p:spTree>
     <p:extLst>
       <p:ext uri="{BB962C8B-B14F-4D97-AF65-F5344CB8AC3E}">
@@ -3877,6 +7115,13 @@
   <p:clrMapOvr>
     <a:masterClrMapping/>
   </p:clrMapOvr>
+  <p:timing>
+    <p:tnLst>
+      <p:par>
+        <p:cTn id="1" dur="indefinite" restart="never" nodeType="tmRoot"/>
+      </p:par>
+    </p:tnLst>
+  </p:timing>
 </p:sld>
 </file>
 
@@ -3907,7 +7152,12 @@
             <p:ph type="title"/>
           </p:nvPr>
         </p:nvSpPr>
-        <p:spPr/>
+        <p:spPr>
+          <a:xfrm>
+            <a:off x="457201" y="204787"/>
+            <a:ext cx="2310959" cy="871538"/>
+          </a:xfrm>
+        </p:spPr>
         <p:txBody>
           <a:bodyPr/>
           <a:lstStyle/>
@@ -3926,7 +7176,7 @@
       </p:sp>
       <p:sp>
         <p:nvSpPr>
-          <p:cNvPr id="3" name="Tijdelijke aanduiding voor inhoud 2"/>
+          <p:cNvPr id="4" name="Tijdelijke aanduiding voor inhoud 3"/>
           <p:cNvSpPr>
             <a:spLocks noGrp="1"/>
           </p:cNvSpPr>
@@ -3943,6 +7193,71 @@
           </a:p>
         </p:txBody>
       </p:sp>
+      <p:sp>
+        <p:nvSpPr>
+          <p:cNvPr id="5" name="Tijdelijke aanduiding voor tekst 4"/>
+          <p:cNvSpPr>
+            <a:spLocks noGrp="1"/>
+          </p:cNvSpPr>
+          <p:nvPr>
+            <p:ph type="body" sz="half" idx="2"/>
+          </p:nvPr>
+        </p:nvSpPr>
+        <p:spPr>
+          <a:xfrm>
+            <a:off x="457201" y="1076326"/>
+            <a:ext cx="2310959" cy="3518297"/>
+          </a:xfrm>
+        </p:spPr>
+        <p:txBody>
+          <a:bodyPr/>
+          <a:lstStyle/>
+          <a:p>
+            <a:endParaRPr lang="en-US" dirty="0"/>
+          </a:p>
+        </p:txBody>
+      </p:sp>
+      <p:pic>
+        <p:nvPicPr>
+          <p:cNvPr id="4098" name="Picture 2" descr="\\fs-smb-019.ad.naturalis.nl\homedir\Marijn.Boer\Internships\Internship CNN 2017-2018\FormicID\docs\proposal\Images\File_size_-_plotting-1.png"/>
+          <p:cNvPicPr>
+            <a:picLocks noChangeAspect="1" noChangeArrowheads="1"/>
+          </p:cNvPicPr>
+          <p:nvPr/>
+        </p:nvPicPr>
+        <p:blipFill>
+          <a:blip r:embed="rId2">
+            <a:extLst>
+              <a:ext uri="{28A0092B-C50C-407E-A947-70E740481C1C}">
+                <a14:useLocalDpi xmlns:a14="http://schemas.microsoft.com/office/drawing/2010/main" val="0"/>
+              </a:ext>
+            </a:extLst>
+          </a:blip>
+          <a:srcRect/>
+          <a:stretch>
+            <a:fillRect/>
+          </a:stretch>
+        </p:blipFill>
+        <p:spPr bwMode="auto">
+          <a:xfrm>
+            <a:off x="3143250" y="0"/>
+            <a:ext cx="6000749" cy="5143500"/>
+          </a:xfrm>
+          <a:prstGeom prst="rect">
+            <a:avLst/>
+          </a:prstGeom>
+          <a:noFill/>
+          <a:extLst>
+            <a:ext uri="{909E8E84-426E-40DD-AFC4-6F175D3DCCD1}">
+              <a14:hiddenFill xmlns:a14="http://schemas.microsoft.com/office/drawing/2010/main">
+                <a:solidFill>
+                  <a:srgbClr val="FFFFFF"/>
+                </a:solidFill>
+              </a14:hiddenFill>
+            </a:ext>
+          </a:extLst>
+        </p:spPr>
+      </p:pic>
     </p:spTree>
     <p:extLst>
       <p:ext uri="{BB962C8B-B14F-4D97-AF65-F5344CB8AC3E}">
@@ -3953,6 +7268,13 @@
   <p:clrMapOvr>
     <a:masterClrMapping/>
   </p:clrMapOvr>
+  <p:timing>
+    <p:tnLst>
+      <p:par>
+        <p:cTn id="1" dur="indefinite" restart="never" nodeType="tmRoot"/>
+      </p:par>
+    </p:tnLst>
+  </p:timing>
 </p:sld>
 </file>
 
@@ -4012,7 +7334,9 @@
         </p:nvSpPr>
         <p:spPr/>
         <p:txBody>
-          <a:bodyPr/>
+          <a:bodyPr>
+            <a:normAutofit fontScale="92500" lnSpcReduction="10000"/>
+          </a:bodyPr>
           <a:lstStyle/>
           <a:p>
             <a:r>
@@ -4096,6 +7420,13 @@
   <p:clrMapOvr>
     <a:masterClrMapping/>
   </p:clrMapOvr>
+  <p:timing>
+    <p:tnLst>
+      <p:par>
+        <p:cTn id="1" dur="indefinite" restart="never" nodeType="tmRoot"/>
+      </p:par>
+    </p:tnLst>
+  </p:timing>
 </p:sld>
 </file>
 
@@ -4189,6 +7520,13 @@
   <p:clrMapOvr>
     <a:masterClrMapping/>
   </p:clrMapOvr>
+  <p:timing>
+    <p:tnLst>
+      <p:par>
+        <p:cTn id="1" dur="indefinite" restart="never" nodeType="tmRoot"/>
+      </p:par>
+    </p:tnLst>
+  </p:timing>
 </p:sld>
 </file>
 
@@ -4244,7 +7582,9 @@
         </p:nvSpPr>
         <p:spPr/>
         <p:txBody>
-          <a:bodyPr/>
+          <a:bodyPr>
+            <a:normAutofit fontScale="92500" lnSpcReduction="20000"/>
+          </a:bodyPr>
           <a:lstStyle/>
           <a:p>
             <a:r>
@@ -4358,6 +7698,13 @@
   <p:clrMapOvr>
     <a:masterClrMapping/>
   </p:clrMapOvr>
+  <p:timing>
+    <p:tnLst>
+      <p:par>
+        <p:cTn id="1" dur="indefinite" restart="never" nodeType="tmRoot"/>
+      </p:par>
+    </p:tnLst>
+  </p:timing>
 </p:sld>
 </file>
 
@@ -4420,6 +7767,63 @@
           </a:p>
         </p:txBody>
       </p:sp>
+      <p:graphicFrame>
+        <p:nvGraphicFramePr>
+          <p:cNvPr id="4" name="Object 3"/>
+          <p:cNvGraphicFramePr>
+            <a:graphicFrameLocks noChangeAspect="1"/>
+          </p:cNvGraphicFramePr>
+          <p:nvPr>
+            <p:extLst>
+              <p:ext uri="{D42A27DB-BD31-4B8C-83A1-F6EECF244321}">
+                <p14:modId xmlns:p14="http://schemas.microsoft.com/office/powerpoint/2010/main" val="1037201996"/>
+              </p:ext>
+            </p:extLst>
+          </p:nvPr>
+        </p:nvGraphicFramePr>
+        <p:xfrm>
+          <a:off x="483296" y="1188806"/>
+          <a:ext cx="8232557" cy="2668796"/>
+        </p:xfrm>
+        <a:graphic>
+          <a:graphicData uri="http://schemas.openxmlformats.org/presentationml/2006/ole">
+            <mc:AlternateContent xmlns:mc="http://schemas.openxmlformats.org/markup-compatibility/2006">
+              <mc:Choice xmlns:v="urn:schemas-microsoft-com:vml" Requires="v">
+                <p:oleObj spid="_x0000_s10243" name="Acrobat Document" r:id="rId3" imgW="6934042" imgH="2247750" progId="AcroExch.Document.7">
+                  <p:embed/>
+                </p:oleObj>
+              </mc:Choice>
+              <mc:Fallback>
+                <p:oleObj name="Acrobat Document" r:id="rId3" imgW="6934042" imgH="2247750" progId="AcroExch.Document.7">
+                  <p:embed/>
+                  <p:pic>
+                    <p:nvPicPr>
+                      <p:cNvPr id="0" name=""/>
+                      <p:cNvPicPr/>
+                      <p:nvPr/>
+                    </p:nvPicPr>
+                    <p:blipFill>
+                      <a:blip r:embed="rId4"/>
+                      <a:stretch>
+                        <a:fillRect/>
+                      </a:stretch>
+                    </p:blipFill>
+                    <p:spPr>
+                      <a:xfrm>
+                        <a:off x="483296" y="1188806"/>
+                        <a:ext cx="8232557" cy="2668796"/>
+                      </a:xfrm>
+                      <a:prstGeom prst="rect">
+                        <a:avLst/>
+                      </a:prstGeom>
+                    </p:spPr>
+                  </p:pic>
+                </p:oleObj>
+              </mc:Fallback>
+            </mc:AlternateContent>
+          </a:graphicData>
+        </a:graphic>
+      </p:graphicFrame>
     </p:spTree>
     <p:extLst>
       <p:ext uri="{BB962C8B-B14F-4D97-AF65-F5344CB8AC3E}">
@@ -4430,6 +7834,13 @@
   <p:clrMapOvr>
     <a:masterClrMapping/>
   </p:clrMapOvr>
+  <p:timing>
+    <p:tnLst>
+      <p:par>
+        <p:cTn id="1" dur="indefinite" restart="never" nodeType="tmRoot"/>
+      </p:par>
+    </p:tnLst>
+  </p:timing>
 </p:sld>
 </file>
 
@@ -4506,6 +7917,13 @@
   <p:clrMapOvr>
     <a:masterClrMapping/>
   </p:clrMapOvr>
+  <p:timing>
+    <p:tnLst>
+      <p:par>
+        <p:cTn id="1" dur="indefinite" restart="never" nodeType="tmRoot"/>
+      </p:par>
+    </p:tnLst>
+  </p:timing>
 </p:sld>
 </file>
 
@@ -4610,6 +8028,13 @@
   <p:clrMapOvr>
     <a:masterClrMapping/>
   </p:clrMapOvr>
+  <p:timing>
+    <p:tnLst>
+      <p:par>
+        <p:cTn id="1" dur="indefinite" restart="never" nodeType="tmRoot"/>
+      </p:par>
+    </p:tnLst>
+  </p:timing>
 </p:sld>
 </file>
 
@@ -4716,6 +8141,13 @@
   <p:clrMapOvr>
     <a:masterClrMapping/>
   </p:clrMapOvr>
+  <p:timing>
+    <p:tnLst>
+      <p:par>
+        <p:cTn id="1" dur="indefinite" restart="never" nodeType="tmRoot"/>
+      </p:par>
+    </p:tnLst>
+  </p:timing>
 </p:sld>
 </file>
 
@@ -4850,6 +8282,13 @@
   <p:clrMapOvr>
     <a:masterClrMapping/>
   </p:clrMapOvr>
+  <p:timing>
+    <p:tnLst>
+      <p:par>
+        <p:cTn id="1" dur="indefinite" restart="never" nodeType="tmRoot"/>
+      </p:par>
+    </p:tnLst>
+  </p:timing>
 </p:sld>
 </file>
 
@@ -4970,6 +8409,13 @@
   <p:clrMapOvr>
     <a:masterClrMapping/>
   </p:clrMapOvr>
+  <p:timing>
+    <p:tnLst>
+      <p:par>
+        <p:cTn id="1" dur="indefinite" restart="never" nodeType="tmRoot"/>
+      </p:par>
+    </p:tnLst>
+  </p:timing>
 </p:sld>
 </file>
 
@@ -5094,6 +8540,47 @@
           </a:p>
         </p:txBody>
       </p:sp>
+      <p:pic>
+        <p:nvPicPr>
+          <p:cNvPr id="9218" name="Picture 2" descr="\\fs-smb-019.ad.naturalis.nl\homedir\Marijn.Boer\Internships\Internship CNN 2017-2018\FormicID\docs\proposal\Images\cnn.png"/>
+          <p:cNvPicPr>
+            <a:picLocks noChangeAspect="1" noChangeArrowheads="1"/>
+          </p:cNvPicPr>
+          <p:nvPr/>
+        </p:nvPicPr>
+        <p:blipFill>
+          <a:blip r:embed="rId2">
+            <a:extLst>
+              <a:ext uri="{28A0092B-C50C-407E-A947-70E740481C1C}">
+                <a14:useLocalDpi xmlns:a14="http://schemas.microsoft.com/office/drawing/2010/main" val="0"/>
+              </a:ext>
+            </a:extLst>
+          </a:blip>
+          <a:srcRect/>
+          <a:stretch>
+            <a:fillRect/>
+          </a:stretch>
+        </p:blipFill>
+        <p:spPr bwMode="auto">
+          <a:xfrm>
+            <a:off x="2267380" y="3305401"/>
+            <a:ext cx="6858001" cy="1819275"/>
+          </a:xfrm>
+          <a:prstGeom prst="rect">
+            <a:avLst/>
+          </a:prstGeom>
+          <a:noFill/>
+          <a:extLst>
+            <a:ext uri="{909E8E84-426E-40DD-AFC4-6F175D3DCCD1}">
+              <a14:hiddenFill xmlns:a14="http://schemas.microsoft.com/office/drawing/2010/main">
+                <a:solidFill>
+                  <a:srgbClr val="FFFFFF"/>
+                </a:solidFill>
+              </a14:hiddenFill>
+            </a:ext>
+          </a:extLst>
+        </p:spPr>
+      </p:pic>
     </p:spTree>
     <p:extLst>
       <p:ext uri="{BB962C8B-B14F-4D97-AF65-F5344CB8AC3E}">
@@ -5104,6 +8591,13 @@
   <p:clrMapOvr>
     <a:masterClrMapping/>
   </p:clrMapOvr>
+  <p:timing>
+    <p:tnLst>
+      <p:par>
+        <p:cTn id="1" dur="indefinite" restart="never" nodeType="tmRoot"/>
+      </p:par>
+    </p:tnLst>
+  </p:timing>
 </p:sld>
 </file>
 
@@ -5188,6 +8682,13 @@
   <p:clrMapOvr>
     <a:masterClrMapping/>
   </p:clrMapOvr>
+  <p:timing>
+    <p:tnLst>
+      <p:par>
+        <p:cTn id="1" dur="indefinite" restart="never" nodeType="tmRoot"/>
+      </p:par>
+    </p:tnLst>
+  </p:timing>
 </p:sld>
 </file>
 
@@ -5321,10 +8822,587 @@
   <p:clrMapOvr>
     <a:masterClrMapping/>
   </p:clrMapOvr>
+  <p:timing>
+    <p:tnLst>
+      <p:par>
+        <p:cTn id="1" dur="indefinite" restart="never" nodeType="tmRoot"/>
+      </p:par>
+    </p:tnLst>
+  </p:timing>
 </p:sld>
 </file>
 
 <file path=ppt/theme/theme1.xml><?xml version="1.0" encoding="utf-8"?>
+<a:theme xmlns:a="http://schemas.openxmlformats.org/drawingml/2006/main" name="Kantoorthema">
+  <a:themeElements>
+    <a:clrScheme name="Raster">
+      <a:dk1>
+        <a:sysClr val="windowText" lastClr="000000"/>
+      </a:dk1>
+      <a:lt1>
+        <a:sysClr val="window" lastClr="FFFFFF"/>
+      </a:lt1>
+      <a:dk2>
+        <a:srgbClr val="534949"/>
+      </a:dk2>
+      <a:lt2>
+        <a:srgbClr val="CCD1B9"/>
+      </a:lt2>
+      <a:accent1>
+        <a:srgbClr val="C66951"/>
+      </a:accent1>
+      <a:accent2>
+        <a:srgbClr val="BF974D"/>
+      </a:accent2>
+      <a:accent3>
+        <a:srgbClr val="928B70"/>
+      </a:accent3>
+      <a:accent4>
+        <a:srgbClr val="87706B"/>
+      </a:accent4>
+      <a:accent5>
+        <a:srgbClr val="94734E"/>
+      </a:accent5>
+      <a:accent6>
+        <a:srgbClr val="6F777D"/>
+      </a:accent6>
+      <a:hlink>
+        <a:srgbClr val="CC9900"/>
+      </a:hlink>
+      <a:folHlink>
+        <a:srgbClr val="C0C0C0"/>
+      </a:folHlink>
+    </a:clrScheme>
+    <a:fontScheme name="Module">
+      <a:majorFont>
+        <a:latin typeface="Corbel"/>
+        <a:ea typeface=""/>
+        <a:cs typeface=""/>
+        <a:font script="Jpan" typeface="HGｺﾞｼｯｸM"/>
+        <a:font script="Hang" typeface="HY엽서L"/>
+        <a:font script="Hans" typeface="华文楷体"/>
+        <a:font script="Hant" typeface="新細明體"/>
+        <a:font script="Arab" typeface="Tahoma"/>
+        <a:font script="Hebr" typeface="Miriam"/>
+        <a:font script="Thai" typeface="DilleniaUPC"/>
+        <a:font script="Ethi" typeface="Nyala"/>
+        <a:font script="Beng" typeface="Vrinda"/>
+        <a:font script="Gujr" typeface="Shruti"/>
+        <a:font script="Khmr" typeface="DaunPenh"/>
+        <a:font script="Knda" typeface="Tunga"/>
+        <a:font script="Guru" typeface="Raavi"/>
+        <a:font script="Cans" typeface="Euphemia"/>
+        <a:font script="Cher" typeface="Plantagenet Cherokee"/>
+        <a:font script="Yiii" typeface="Microsoft Yi Baiti"/>
+        <a:font script="Tibt" typeface="Microsoft Himalaya"/>
+        <a:font script="Thaa" typeface="MV Boli"/>
+        <a:font script="Deva" typeface="Mangal"/>
+        <a:font script="Telu" typeface="Gautami"/>
+        <a:font script="Taml" typeface="Latha"/>
+        <a:font script="Syrc" typeface="Estrangelo Edessa"/>
+        <a:font script="Orya" typeface="Kalinga"/>
+        <a:font script="Mlym" typeface="Kartika"/>
+        <a:font script="Laoo" typeface="DokChampa"/>
+        <a:font script="Sinh" typeface="Iskoola Pota"/>
+        <a:font script="Mong" typeface="Mongolian Baiti"/>
+        <a:font script="Viet" typeface="Arial"/>
+        <a:font script="Uigh" typeface="Microsoft Uighur"/>
+        <a:font script="Geor" typeface="Sylfaen"/>
+      </a:majorFont>
+      <a:minorFont>
+        <a:latin typeface="Corbel"/>
+        <a:ea typeface=""/>
+        <a:cs typeface=""/>
+        <a:font script="Jpan" typeface="HGｺﾞｼｯｸM"/>
+        <a:font script="Hang" typeface="HY엽서L"/>
+        <a:font script="Hans" typeface="华文楷体"/>
+        <a:font script="Hant" typeface="新細明體"/>
+        <a:font script="Arab" typeface="Tahoma"/>
+        <a:font script="Hebr" typeface="Miriam"/>
+        <a:font script="Thai" typeface="DilleniaUPC"/>
+        <a:font script="Ethi" typeface="Nyala"/>
+        <a:font script="Beng" typeface="Vrinda"/>
+        <a:font script="Gujr" typeface="Shruti"/>
+        <a:font script="Khmr" typeface="DaunPenh"/>
+        <a:font script="Knda" typeface="Tunga"/>
+        <a:font script="Guru" typeface="Raavi"/>
+        <a:font script="Cans" typeface="Euphemia"/>
+        <a:font script="Cher" typeface="Plantagenet Cherokee"/>
+        <a:font script="Yiii" typeface="Microsoft Yi Baiti"/>
+        <a:font script="Tibt" typeface="Microsoft Himalaya"/>
+        <a:font script="Thaa" typeface="MV Boli"/>
+        <a:font script="Deva" typeface="Mangal"/>
+        <a:font script="Telu" typeface="Gautami"/>
+        <a:font script="Taml" typeface="Latha"/>
+        <a:font script="Syrc" typeface="Estrangelo Edessa"/>
+        <a:font script="Orya" typeface="Kalinga"/>
+        <a:font script="Mlym" typeface="Kartika"/>
+        <a:font script="Laoo" typeface="DokChampa"/>
+        <a:font script="Sinh" typeface="Iskoola Pota"/>
+        <a:font script="Mong" typeface="Mongolian Baiti"/>
+        <a:font script="Viet" typeface="Arial"/>
+        <a:font script="Uigh" typeface="Microsoft Uighur"/>
+        <a:font script="Geor" typeface="Sylfaen"/>
+      </a:minorFont>
+    </a:fontScheme>
+    <a:fmtScheme name="Kantoor">
+      <a:fillStyleLst>
+        <a:solidFill>
+          <a:schemeClr val="phClr"/>
+        </a:solidFill>
+        <a:gradFill rotWithShape="1">
+          <a:gsLst>
+            <a:gs pos="0">
+              <a:schemeClr val="phClr">
+                <a:tint val="50000"/>
+                <a:satMod val="300000"/>
+              </a:schemeClr>
+            </a:gs>
+            <a:gs pos="35000">
+              <a:schemeClr val="phClr">
+                <a:tint val="37000"/>
+                <a:satMod val="300000"/>
+              </a:schemeClr>
+            </a:gs>
+            <a:gs pos="100000">
+              <a:schemeClr val="phClr">
+                <a:tint val="15000"/>
+                <a:satMod val="350000"/>
+              </a:schemeClr>
+            </a:gs>
+          </a:gsLst>
+          <a:lin ang="16200000" scaled="1"/>
+        </a:gradFill>
+        <a:gradFill rotWithShape="1">
+          <a:gsLst>
+            <a:gs pos="0">
+              <a:schemeClr val="phClr">
+                <a:shade val="51000"/>
+                <a:satMod val="130000"/>
+              </a:schemeClr>
+            </a:gs>
+            <a:gs pos="80000">
+              <a:schemeClr val="phClr">
+                <a:shade val="93000"/>
+                <a:satMod val="130000"/>
+              </a:schemeClr>
+            </a:gs>
+            <a:gs pos="100000">
+              <a:schemeClr val="phClr">
+                <a:shade val="94000"/>
+                <a:satMod val="135000"/>
+              </a:schemeClr>
+            </a:gs>
+          </a:gsLst>
+          <a:lin ang="16200000" scaled="0"/>
+        </a:gradFill>
+      </a:fillStyleLst>
+      <a:lnStyleLst>
+        <a:ln w="9525" cap="flat" cmpd="sng" algn="ctr">
+          <a:solidFill>
+            <a:schemeClr val="phClr">
+              <a:shade val="95000"/>
+              <a:satMod val="105000"/>
+            </a:schemeClr>
+          </a:solidFill>
+          <a:prstDash val="solid"/>
+        </a:ln>
+        <a:ln w="25400" cap="flat" cmpd="sng" algn="ctr">
+          <a:solidFill>
+            <a:schemeClr val="phClr"/>
+          </a:solidFill>
+          <a:prstDash val="solid"/>
+        </a:ln>
+        <a:ln w="38100" cap="flat" cmpd="sng" algn="ctr">
+          <a:solidFill>
+            <a:schemeClr val="phClr"/>
+          </a:solidFill>
+          <a:prstDash val="solid"/>
+        </a:ln>
+      </a:lnStyleLst>
+      <a:effectStyleLst>
+        <a:effectStyle>
+          <a:effectLst>
+            <a:outerShdw blurRad="40000" dist="20000" dir="5400000" rotWithShape="0">
+              <a:srgbClr val="000000">
+                <a:alpha val="38000"/>
+              </a:srgbClr>
+            </a:outerShdw>
+          </a:effectLst>
+        </a:effectStyle>
+        <a:effectStyle>
+          <a:effectLst>
+            <a:outerShdw blurRad="40000" dist="23000" dir="5400000" rotWithShape="0">
+              <a:srgbClr val="000000">
+                <a:alpha val="35000"/>
+              </a:srgbClr>
+            </a:outerShdw>
+          </a:effectLst>
+        </a:effectStyle>
+        <a:effectStyle>
+          <a:effectLst>
+            <a:outerShdw blurRad="40000" dist="23000" dir="5400000" rotWithShape="0">
+              <a:srgbClr val="000000">
+                <a:alpha val="35000"/>
+              </a:srgbClr>
+            </a:outerShdw>
+          </a:effectLst>
+          <a:scene3d>
+            <a:camera prst="orthographicFront">
+              <a:rot lat="0" lon="0" rev="0"/>
+            </a:camera>
+            <a:lightRig rig="threePt" dir="t">
+              <a:rot lat="0" lon="0" rev="1200000"/>
+            </a:lightRig>
+          </a:scene3d>
+          <a:sp3d>
+            <a:bevelT w="63500" h="25400"/>
+          </a:sp3d>
+        </a:effectStyle>
+      </a:effectStyleLst>
+      <a:bgFillStyleLst>
+        <a:solidFill>
+          <a:schemeClr val="phClr"/>
+        </a:solidFill>
+        <a:gradFill rotWithShape="1">
+          <a:gsLst>
+            <a:gs pos="0">
+              <a:schemeClr val="phClr">
+                <a:tint val="40000"/>
+                <a:satMod val="350000"/>
+              </a:schemeClr>
+            </a:gs>
+            <a:gs pos="40000">
+              <a:schemeClr val="phClr">
+                <a:tint val="45000"/>
+                <a:shade val="99000"/>
+                <a:satMod val="350000"/>
+              </a:schemeClr>
+            </a:gs>
+            <a:gs pos="100000">
+              <a:schemeClr val="phClr">
+                <a:shade val="20000"/>
+                <a:satMod val="255000"/>
+              </a:schemeClr>
+            </a:gs>
+          </a:gsLst>
+          <a:path path="circle">
+            <a:fillToRect l="50000" t="-80000" r="50000" b="180000"/>
+          </a:path>
+        </a:gradFill>
+        <a:gradFill rotWithShape="1">
+          <a:gsLst>
+            <a:gs pos="0">
+              <a:schemeClr val="phClr">
+                <a:tint val="80000"/>
+                <a:satMod val="300000"/>
+              </a:schemeClr>
+            </a:gs>
+            <a:gs pos="100000">
+              <a:schemeClr val="phClr">
+                <a:shade val="30000"/>
+                <a:satMod val="200000"/>
+              </a:schemeClr>
+            </a:gs>
+          </a:gsLst>
+          <a:path path="circle">
+            <a:fillToRect l="50000" t="50000" r="50000" b="50000"/>
+          </a:path>
+        </a:gradFill>
+      </a:bgFillStyleLst>
+    </a:fmtScheme>
+  </a:themeElements>
+  <a:objectDefaults/>
+  <a:extraClrSchemeLst/>
+</a:theme>
+</file>
+
+<file path=ppt/theme/theme2.xml><?xml version="1.0" encoding="utf-8"?>
+<a:theme xmlns:a="http://schemas.openxmlformats.org/drawingml/2006/main" name="Kantoorthema">
+  <a:themeElements>
+    <a:clrScheme name="Kantoor">
+      <a:dk1>
+        <a:sysClr val="windowText" lastClr="000000"/>
+      </a:dk1>
+      <a:lt1>
+        <a:sysClr val="window" lastClr="FFFFFF"/>
+      </a:lt1>
+      <a:dk2>
+        <a:srgbClr val="1F497D"/>
+      </a:dk2>
+      <a:lt2>
+        <a:srgbClr val="EEECE1"/>
+      </a:lt2>
+      <a:accent1>
+        <a:srgbClr val="4F81BD"/>
+      </a:accent1>
+      <a:accent2>
+        <a:srgbClr val="C0504D"/>
+      </a:accent2>
+      <a:accent3>
+        <a:srgbClr val="9BBB59"/>
+      </a:accent3>
+      <a:accent4>
+        <a:srgbClr val="8064A2"/>
+      </a:accent4>
+      <a:accent5>
+        <a:srgbClr val="4BACC6"/>
+      </a:accent5>
+      <a:accent6>
+        <a:srgbClr val="F79646"/>
+      </a:accent6>
+      <a:hlink>
+        <a:srgbClr val="0000FF"/>
+      </a:hlink>
+      <a:folHlink>
+        <a:srgbClr val="800080"/>
+      </a:folHlink>
+    </a:clrScheme>
+    <a:fontScheme name="Kantoor">
+      <a:majorFont>
+        <a:latin typeface="Calibri"/>
+        <a:ea typeface=""/>
+        <a:cs typeface=""/>
+        <a:font script="Jpan" typeface="ＭＳ Ｐゴシック"/>
+        <a:font script="Hang" typeface="맑은 고딕"/>
+        <a:font script="Hans" typeface="宋体"/>
+        <a:font script="Hant" typeface="新細明體"/>
+        <a:font script="Arab" typeface="Times New Roman"/>
+        <a:font script="Hebr" typeface="Times New Roman"/>
+        <a:font script="Thai" typeface="Angsana New"/>
+        <a:font script="Ethi" typeface="Nyala"/>
+        <a:font script="Beng" typeface="Vrinda"/>
+        <a:font script="Gujr" typeface="Shruti"/>
+        <a:font script="Khmr" typeface="MoolBoran"/>
+        <a:font script="Knda" typeface="Tunga"/>
+        <a:font script="Guru" typeface="Raavi"/>
+        <a:font script="Cans" typeface="Euphemia"/>
+        <a:font script="Cher" typeface="Plantagenet Cherokee"/>
+        <a:font script="Yiii" typeface="Microsoft Yi Baiti"/>
+        <a:font script="Tibt" typeface="Microsoft Himalaya"/>
+        <a:font script="Thaa" typeface="MV Boli"/>
+        <a:font script="Deva" typeface="Mangal"/>
+        <a:font script="Telu" typeface="Gautami"/>
+        <a:font script="Taml" typeface="Latha"/>
+        <a:font script="Syrc" typeface="Estrangelo Edessa"/>
+        <a:font script="Orya" typeface="Kalinga"/>
+        <a:font script="Mlym" typeface="Kartika"/>
+        <a:font script="Laoo" typeface="DokChampa"/>
+        <a:font script="Sinh" typeface="Iskoola Pota"/>
+        <a:font script="Mong" typeface="Mongolian Baiti"/>
+        <a:font script="Viet" typeface="Times New Roman"/>
+        <a:font script="Uigh" typeface="Microsoft Uighur"/>
+        <a:font script="Geor" typeface="Sylfaen"/>
+      </a:majorFont>
+      <a:minorFont>
+        <a:latin typeface="Calibri"/>
+        <a:ea typeface=""/>
+        <a:cs typeface=""/>
+        <a:font script="Jpan" typeface="ＭＳ Ｐゴシック"/>
+        <a:font script="Hang" typeface="맑은 고딕"/>
+        <a:font script="Hans" typeface="宋体"/>
+        <a:font script="Hant" typeface="新細明體"/>
+        <a:font script="Arab" typeface="Arial"/>
+        <a:font script="Hebr" typeface="Arial"/>
+        <a:font script="Thai" typeface="Cordia New"/>
+        <a:font script="Ethi" typeface="Nyala"/>
+        <a:font script="Beng" typeface="Vrinda"/>
+        <a:font script="Gujr" typeface="Shruti"/>
+        <a:font script="Khmr" typeface="DaunPenh"/>
+        <a:font script="Knda" typeface="Tunga"/>
+        <a:font script="Guru" typeface="Raavi"/>
+        <a:font script="Cans" typeface="Euphemia"/>
+        <a:font script="Cher" typeface="Plantagenet Cherokee"/>
+        <a:font script="Yiii" typeface="Microsoft Yi Baiti"/>
+        <a:font script="Tibt" typeface="Microsoft Himalaya"/>
+        <a:font script="Thaa" typeface="MV Boli"/>
+        <a:font script="Deva" typeface="Mangal"/>
+        <a:font script="Telu" typeface="Gautami"/>
+        <a:font script="Taml" typeface="Latha"/>
+        <a:font script="Syrc" typeface="Estrangelo Edessa"/>
+        <a:font script="Orya" typeface="Kalinga"/>
+        <a:font script="Mlym" typeface="Kartika"/>
+        <a:font script="Laoo" typeface="DokChampa"/>
+        <a:font script="Sinh" typeface="Iskoola Pota"/>
+        <a:font script="Mong" typeface="Mongolian Baiti"/>
+        <a:font script="Viet" typeface="Arial"/>
+        <a:font script="Uigh" typeface="Microsoft Uighur"/>
+        <a:font script="Geor" typeface="Sylfaen"/>
+      </a:minorFont>
+    </a:fontScheme>
+    <a:fmtScheme name="Kantoor">
+      <a:fillStyleLst>
+        <a:solidFill>
+          <a:schemeClr val="phClr"/>
+        </a:solidFill>
+        <a:gradFill rotWithShape="1">
+          <a:gsLst>
+            <a:gs pos="0">
+              <a:schemeClr val="phClr">
+                <a:tint val="50000"/>
+                <a:satMod val="300000"/>
+              </a:schemeClr>
+            </a:gs>
+            <a:gs pos="35000">
+              <a:schemeClr val="phClr">
+                <a:tint val="37000"/>
+                <a:satMod val="300000"/>
+              </a:schemeClr>
+            </a:gs>
+            <a:gs pos="100000">
+              <a:schemeClr val="phClr">
+                <a:tint val="15000"/>
+                <a:satMod val="350000"/>
+              </a:schemeClr>
+            </a:gs>
+          </a:gsLst>
+          <a:lin ang="16200000" scaled="1"/>
+        </a:gradFill>
+        <a:gradFill rotWithShape="1">
+          <a:gsLst>
+            <a:gs pos="0">
+              <a:schemeClr val="phClr">
+                <a:shade val="51000"/>
+                <a:satMod val="130000"/>
+              </a:schemeClr>
+            </a:gs>
+            <a:gs pos="80000">
+              <a:schemeClr val="phClr">
+                <a:shade val="93000"/>
+                <a:satMod val="130000"/>
+              </a:schemeClr>
+            </a:gs>
+            <a:gs pos="100000">
+              <a:schemeClr val="phClr">
+                <a:shade val="94000"/>
+                <a:satMod val="135000"/>
+              </a:schemeClr>
+            </a:gs>
+          </a:gsLst>
+          <a:lin ang="16200000" scaled="0"/>
+        </a:gradFill>
+      </a:fillStyleLst>
+      <a:lnStyleLst>
+        <a:ln w="9525" cap="flat" cmpd="sng" algn="ctr">
+          <a:solidFill>
+            <a:schemeClr val="phClr">
+              <a:shade val="95000"/>
+              <a:satMod val="105000"/>
+            </a:schemeClr>
+          </a:solidFill>
+          <a:prstDash val="solid"/>
+        </a:ln>
+        <a:ln w="25400" cap="flat" cmpd="sng" algn="ctr">
+          <a:solidFill>
+            <a:schemeClr val="phClr"/>
+          </a:solidFill>
+          <a:prstDash val="solid"/>
+        </a:ln>
+        <a:ln w="38100" cap="flat" cmpd="sng" algn="ctr">
+          <a:solidFill>
+            <a:schemeClr val="phClr"/>
+          </a:solidFill>
+          <a:prstDash val="solid"/>
+        </a:ln>
+      </a:lnStyleLst>
+      <a:effectStyleLst>
+        <a:effectStyle>
+          <a:effectLst>
+            <a:outerShdw blurRad="40000" dist="20000" dir="5400000" rotWithShape="0">
+              <a:srgbClr val="000000">
+                <a:alpha val="38000"/>
+              </a:srgbClr>
+            </a:outerShdw>
+          </a:effectLst>
+        </a:effectStyle>
+        <a:effectStyle>
+          <a:effectLst>
+            <a:outerShdw blurRad="40000" dist="23000" dir="5400000" rotWithShape="0">
+              <a:srgbClr val="000000">
+                <a:alpha val="35000"/>
+              </a:srgbClr>
+            </a:outerShdw>
+          </a:effectLst>
+        </a:effectStyle>
+        <a:effectStyle>
+          <a:effectLst>
+            <a:outerShdw blurRad="40000" dist="23000" dir="5400000" rotWithShape="0">
+              <a:srgbClr val="000000">
+                <a:alpha val="35000"/>
+              </a:srgbClr>
+            </a:outerShdw>
+          </a:effectLst>
+          <a:scene3d>
+            <a:camera prst="orthographicFront">
+              <a:rot lat="0" lon="0" rev="0"/>
+            </a:camera>
+            <a:lightRig rig="threePt" dir="t">
+              <a:rot lat="0" lon="0" rev="1200000"/>
+            </a:lightRig>
+          </a:scene3d>
+          <a:sp3d>
+            <a:bevelT w="63500" h="25400"/>
+          </a:sp3d>
+        </a:effectStyle>
+      </a:effectStyleLst>
+      <a:bgFillStyleLst>
+        <a:solidFill>
+          <a:schemeClr val="phClr"/>
+        </a:solidFill>
+        <a:gradFill rotWithShape="1">
+          <a:gsLst>
+            <a:gs pos="0">
+              <a:schemeClr val="phClr">
+                <a:tint val="40000"/>
+                <a:satMod val="350000"/>
+              </a:schemeClr>
+            </a:gs>
+            <a:gs pos="40000">
+              <a:schemeClr val="phClr">
+                <a:tint val="45000"/>
+                <a:shade val="99000"/>
+                <a:satMod val="350000"/>
+              </a:schemeClr>
+            </a:gs>
+            <a:gs pos="100000">
+              <a:schemeClr val="phClr">
+                <a:shade val="20000"/>
+                <a:satMod val="255000"/>
+              </a:schemeClr>
+            </a:gs>
+          </a:gsLst>
+          <a:path path="circle">
+            <a:fillToRect l="50000" t="-80000" r="50000" b="180000"/>
+          </a:path>
+        </a:gradFill>
+        <a:gradFill rotWithShape="1">
+          <a:gsLst>
+            <a:gs pos="0">
+              <a:schemeClr val="phClr">
+                <a:tint val="80000"/>
+                <a:satMod val="300000"/>
+              </a:schemeClr>
+            </a:gs>
+            <a:gs pos="100000">
+              <a:schemeClr val="phClr">
+                <a:shade val="30000"/>
+                <a:satMod val="200000"/>
+              </a:schemeClr>
+            </a:gs>
+          </a:gsLst>
+          <a:path path="circle">
+            <a:fillToRect l="50000" t="50000" r="50000" b="50000"/>
+          </a:path>
+        </a:gradFill>
+      </a:bgFillStyleLst>
+    </a:fmtScheme>
+  </a:themeElements>
+  <a:objectDefaults/>
+  <a:extraClrSchemeLst/>
+</a:theme>
+</file>
+
+<file path=ppt/theme/theme3.xml><?xml version="1.0" encoding="utf-8"?>
 <a:theme xmlns:a="http://schemas.openxmlformats.org/drawingml/2006/main" name="Kantoorthema">
   <a:themeElements>
     <a:clrScheme name="Kantoor">
